--- a/1 - Uvod u kontejnere/Predavanje #1 - Uvod.pptx
+++ b/1 - Uvod u kontejnere/Predavanje #1 - Uvod.pptx
@@ -5,25 +5,26 @@
     <p:sldMasterId id="2147483774" r:id="rId1"/>
   </p:sldMasterIdLst>
   <p:notesMasterIdLst>
-    <p:notesMasterId r:id="rId15"/>
+    <p:notesMasterId r:id="rId16"/>
   </p:notesMasterIdLst>
   <p:handoutMasterIdLst>
-    <p:handoutMasterId r:id="rId16"/>
+    <p:handoutMasterId r:id="rId17"/>
   </p:handoutMasterIdLst>
   <p:sldIdLst>
     <p:sldId id="256" r:id="rId2"/>
-    <p:sldId id="257" r:id="rId3"/>
-    <p:sldId id="258" r:id="rId4"/>
-    <p:sldId id="259" r:id="rId5"/>
-    <p:sldId id="260" r:id="rId6"/>
-    <p:sldId id="261" r:id="rId7"/>
-    <p:sldId id="262" r:id="rId8"/>
-    <p:sldId id="268" r:id="rId9"/>
-    <p:sldId id="263" r:id="rId10"/>
-    <p:sldId id="264" r:id="rId11"/>
-    <p:sldId id="265" r:id="rId12"/>
-    <p:sldId id="266" r:id="rId13"/>
-    <p:sldId id="267" r:id="rId14"/>
+    <p:sldId id="270" r:id="rId3"/>
+    <p:sldId id="257" r:id="rId4"/>
+    <p:sldId id="258" r:id="rId5"/>
+    <p:sldId id="259" r:id="rId6"/>
+    <p:sldId id="260" r:id="rId7"/>
+    <p:sldId id="261" r:id="rId8"/>
+    <p:sldId id="262" r:id="rId9"/>
+    <p:sldId id="268" r:id="rId10"/>
+    <p:sldId id="263" r:id="rId11"/>
+    <p:sldId id="264" r:id="rId12"/>
+    <p:sldId id="265" r:id="rId13"/>
+    <p:sldId id="266" r:id="rId14"/>
+    <p:sldId id="267" r:id="rId15"/>
   </p:sldIdLst>
   <p:sldSz cx="12192000" cy="6858000"/>
   <p:notesSz cx="6858000" cy="9144000"/>
@@ -238,7 +239,7 @@
           <a:p>
             <a:fld id="{A5FED3FE-A0D0-4A64-94E6-92F929FBB115}" type="datetimeFigureOut">
               <a:rPr lang="en-US" smtClean="0"/>
-              <a:t>9/24/2021</a:t>
+              <a:t>9/29/2021</a:t>
             </a:fld>
             <a:endParaRPr lang="en-US" dirty="0"/>
           </a:p>
@@ -415,7 +416,7 @@
           <a:p>
             <a:fld id="{90546060-7A3C-4EAB-9002-548C3D5D5663}" type="datetimeFigureOut">
               <a:rPr lang="en-US" smtClean="0"/>
-              <a:t>9/24/2021</a:t>
+              <a:t>9/29/2021</a:t>
             </a:fld>
             <a:endParaRPr lang="en-US"/>
           </a:p>
@@ -726,97 +727,6 @@
           <a:bodyPr/>
           <a:lstStyle/>
           <a:p>
-            <a:r>
-              <a:rPr lang="sr-Latn-RS" dirty="0"/>
-              <a:t>Šta je kontejnerizacija uopšte ? Šta misle ljudi ...</a:t>
-            </a:r>
-            <a:br>
-              <a:rPr lang="sr-Latn-RS" dirty="0"/>
-            </a:br>
-            <a:br>
-              <a:rPr lang="sr-Latn-RS" dirty="0"/>
-            </a:br>
-            <a:r>
-              <a:rPr lang="sr-Latn-RS" dirty="0"/>
-              <a:t>Osvrt na ključne reči:</a:t>
-            </a:r>
-          </a:p>
-          <a:p>
-            <a:pPr marL="171450" indent="-171450">
-              <a:buFont typeface="Arial" panose="020B0604020202020204" pitchFamily="34" charset="0"/>
-              <a:buChar char="•"/>
-            </a:pPr>
-            <a:r>
-              <a:rPr lang="sr-Latn-RS" dirty="0"/>
-              <a:t>Executable unit – Znači da je izvršna jedinica, može da se pokrene</a:t>
-            </a:r>
-          </a:p>
-          <a:p>
-            <a:pPr marL="171450" indent="-171450">
-              <a:buFont typeface="Arial" panose="020B0604020202020204" pitchFamily="34" charset="0"/>
-              <a:buChar char="•"/>
-            </a:pPr>
-            <a:r>
-              <a:rPr lang="sr-Latn-RS" dirty="0"/>
-              <a:t>Application code – spakovali smo aplikativni kod</a:t>
-            </a:r>
-          </a:p>
-          <a:p>
-            <a:pPr marL="171450" indent="-171450">
-              <a:buFont typeface="Arial" panose="020B0604020202020204" pitchFamily="34" charset="0"/>
-              <a:buChar char="•"/>
-            </a:pPr>
-            <a:r>
-              <a:rPr lang="sr-Latn-RS" dirty="0"/>
-              <a:t>Libraries – sve potrebne biblioteke su u kontejneru zajedno sa aplikativnim kodom</a:t>
-            </a:r>
-          </a:p>
-          <a:p>
-            <a:pPr marL="171450" indent="-171450">
-              <a:buFont typeface="Arial" panose="020B0604020202020204" pitchFamily="34" charset="0"/>
-              <a:buChar char="•"/>
-            </a:pPr>
-            <a:r>
-              <a:rPr lang="sr-Latn-RS" dirty="0"/>
-              <a:t>Dependencies – svi dependency-ji su takođe zapakovani tu</a:t>
-            </a:r>
-          </a:p>
-          <a:p>
-            <a:pPr marL="171450" indent="-171450">
-              <a:buFont typeface="Arial" panose="020B0604020202020204" pitchFamily="34" charset="0"/>
-              <a:buChar char="•"/>
-            </a:pPr>
-            <a:r>
-              <a:rPr lang="sr-Latn-RS" dirty="0"/>
-              <a:t>Run anywhere – može da se pokrene svuda</a:t>
-            </a:r>
-            <a:r>
-              <a:rPr lang="en-US" dirty="0"/>
-              <a:t>, </a:t>
-            </a:r>
-            <a:r>
-              <a:rPr lang="sr-Latn-RS" dirty="0"/>
-              <a:t>što praktično znači da je platform agnostic / infrastructure agnostic / topology agnostic</a:t>
-            </a:r>
-          </a:p>
-          <a:p>
-            <a:pPr marL="171450" indent="-171450">
-              <a:buFont typeface="Arial" panose="020B0604020202020204" pitchFamily="34" charset="0"/>
-              <a:buChar char="•"/>
-            </a:pPr>
-            <a:endParaRPr lang="sr-Latn-RS" dirty="0"/>
-          </a:p>
-          <a:p>
-            <a:pPr marL="0" indent="0">
-              <a:buFont typeface="Arial" panose="020B0604020202020204" pitchFamily="34" charset="0"/>
-              <a:buNone/>
-            </a:pPr>
-            <a:r>
-              <a:rPr lang="sr-Latn-RS" dirty="0"/>
-              <a:t>Zvuči sjajno zar ne?</a:t>
-            </a:r>
-          </a:p>
-          <a:p>
             <a:pPr marL="171450" indent="-171450">
               <a:buFont typeface="Arial" panose="020B0604020202020204" pitchFamily="34" charset="0"/>
               <a:buChar char="•"/>
@@ -851,7 +761,7 @@
     </p:spTree>
     <p:extLst>
       <p:ext uri="{BB962C8B-B14F-4D97-AF65-F5344CB8AC3E}">
-        <p14:creationId xmlns:p14="http://schemas.microsoft.com/office/powerpoint/2010/main" val="787034972"/>
+        <p14:creationId xmlns:p14="http://schemas.microsoft.com/office/powerpoint/2010/main" val="1400154273"/>
       </p:ext>
     </p:extLst>
   </p:cSld>
@@ -939,7 +849,7 @@
     </p:spTree>
     <p:extLst>
       <p:ext uri="{BB962C8B-B14F-4D97-AF65-F5344CB8AC3E}">
-        <p14:creationId xmlns:p14="http://schemas.microsoft.com/office/powerpoint/2010/main" val="424017029"/>
+        <p14:creationId xmlns:p14="http://schemas.microsoft.com/office/powerpoint/2010/main" val="3043967481"/>
       </p:ext>
     </p:extLst>
   </p:cSld>
@@ -1027,7 +937,7 @@
     </p:spTree>
     <p:extLst>
       <p:ext uri="{BB962C8B-B14F-4D97-AF65-F5344CB8AC3E}">
-        <p14:creationId xmlns:p14="http://schemas.microsoft.com/office/powerpoint/2010/main" val="2317718989"/>
+        <p14:creationId xmlns:p14="http://schemas.microsoft.com/office/powerpoint/2010/main" val="424017029"/>
       </p:ext>
     </p:extLst>
   </p:cSld>
@@ -1107,6 +1017,94 @@
             <a:fld id="{7F017C65-B59B-41AD-A4E0-A817553AB62E}" type="slidenum">
               <a:rPr lang="en-US" smtClean="0"/>
               <a:t>13</a:t>
+            </a:fld>
+            <a:endParaRPr lang="en-US"/>
+          </a:p>
+        </p:txBody>
+      </p:sp>
+    </p:spTree>
+    <p:extLst>
+      <p:ext uri="{BB962C8B-B14F-4D97-AF65-F5344CB8AC3E}">
+        <p14:creationId xmlns:p14="http://schemas.microsoft.com/office/powerpoint/2010/main" val="2317718989"/>
+      </p:ext>
+    </p:extLst>
+  </p:cSld>
+  <p:clrMapOvr>
+    <a:masterClrMapping/>
+  </p:clrMapOvr>
+</p:notes>
+</file>
+
+<file path=ppt/notesSlides/notesSlide13.xml><?xml version="1.0" encoding="utf-8"?>
+<p:notes xmlns:a="http://schemas.openxmlformats.org/drawingml/2006/main" xmlns:r="http://schemas.openxmlformats.org/officeDocument/2006/relationships" xmlns:p="http://schemas.openxmlformats.org/presentationml/2006/main">
+  <p:cSld>
+    <p:spTree>
+      <p:nvGrpSpPr>
+        <p:cNvPr id="1" name=""/>
+        <p:cNvGrpSpPr/>
+        <p:nvPr/>
+      </p:nvGrpSpPr>
+      <p:grpSpPr>
+        <a:xfrm>
+          <a:off x="0" y="0"/>
+          <a:ext cx="0" cy="0"/>
+          <a:chOff x="0" y="0"/>
+          <a:chExt cx="0" cy="0"/>
+        </a:xfrm>
+      </p:grpSpPr>
+      <p:sp>
+        <p:nvSpPr>
+          <p:cNvPr id="2" name="Slide Image Placeholder 1"/>
+          <p:cNvSpPr>
+            <a:spLocks noGrp="1" noRot="1" noChangeAspect="1"/>
+          </p:cNvSpPr>
+          <p:nvPr>
+            <p:ph type="sldImg"/>
+          </p:nvPr>
+        </p:nvSpPr>
+        <p:spPr/>
+      </p:sp>
+      <p:sp>
+        <p:nvSpPr>
+          <p:cNvPr id="3" name="Notes Placeholder 2"/>
+          <p:cNvSpPr>
+            <a:spLocks noGrp="1"/>
+          </p:cNvSpPr>
+          <p:nvPr>
+            <p:ph type="body" idx="1"/>
+          </p:nvPr>
+        </p:nvSpPr>
+        <p:spPr/>
+        <p:txBody>
+          <a:bodyPr/>
+          <a:lstStyle/>
+          <a:p>
+            <a:pPr marL="457200" lvl="1" indent="0">
+              <a:buFont typeface="Arial" panose="020B0604020202020204" pitchFamily="34" charset="0"/>
+              <a:buNone/>
+            </a:pPr>
+            <a:endParaRPr lang="en-US" b="1" dirty="0"/>
+          </a:p>
+        </p:txBody>
+      </p:sp>
+      <p:sp>
+        <p:nvSpPr>
+          <p:cNvPr id="4" name="Slide Number Placeholder 3"/>
+          <p:cNvSpPr>
+            <a:spLocks noGrp="1"/>
+          </p:cNvSpPr>
+          <p:nvPr>
+            <p:ph type="sldNum" sz="quarter" idx="5"/>
+          </p:nvPr>
+        </p:nvSpPr>
+        <p:spPr/>
+        <p:txBody>
+          <a:bodyPr/>
+          <a:lstStyle/>
+          <a:p>
+            <a:fld id="{7F017C65-B59B-41AD-A4E0-A817553AB62E}" type="slidenum">
+              <a:rPr lang="en-US" smtClean="0"/>
+              <a:t>14</a:t>
             </a:fld>
             <a:endParaRPr lang="en-US"/>
           </a:p>
@@ -1169,49 +1167,100 @@
           <a:bodyPr/>
           <a:lstStyle/>
           <a:p>
+            <a:r>
+              <a:rPr lang="sr-Latn-RS" dirty="0"/>
+              <a:t>Šta je kontejnerizacija uopšte ? Šta misle ljudi ...</a:t>
+            </a:r>
+            <a:br>
+              <a:rPr lang="sr-Latn-RS" dirty="0"/>
+            </a:br>
+            <a:br>
+              <a:rPr lang="sr-Latn-RS" dirty="0"/>
+            </a:br>
+            <a:r>
+              <a:rPr lang="sr-Latn-RS" dirty="0"/>
+              <a:t>Osvrt na ključne reči:</a:t>
+            </a:r>
+          </a:p>
+          <a:p>
+            <a:pPr marL="171450" indent="-171450">
+              <a:buFont typeface="Arial" panose="020B0604020202020204" pitchFamily="34" charset="0"/>
+              <a:buChar char="•"/>
+            </a:pPr>
+            <a:r>
+              <a:rPr lang="sr-Latn-RS" dirty="0"/>
+              <a:t>Executable unit – Znači da je izvršna jedinica, može da se pokrene</a:t>
+            </a:r>
+          </a:p>
+          <a:p>
+            <a:pPr marL="171450" indent="-171450">
+              <a:buFont typeface="Arial" panose="020B0604020202020204" pitchFamily="34" charset="0"/>
+              <a:buChar char="•"/>
+            </a:pPr>
+            <a:r>
+              <a:rPr lang="sr-Latn-RS" dirty="0"/>
+              <a:t>Application code – spakovali smo aplikativni kod</a:t>
+            </a:r>
+          </a:p>
+          <a:p>
+            <a:pPr marL="171450" indent="-171450">
+              <a:buFont typeface="Arial" panose="020B0604020202020204" pitchFamily="34" charset="0"/>
+              <a:buChar char="•"/>
+            </a:pPr>
+            <a:r>
+              <a:rPr lang="sr-Latn-RS" dirty="0"/>
+              <a:t>Libraries – sve potrebne biblioteke su u kontejneru zajedno sa aplikativnim kodom</a:t>
+            </a:r>
+          </a:p>
+          <a:p>
+            <a:pPr marL="171450" indent="-171450">
+              <a:buFont typeface="Arial" panose="020B0604020202020204" pitchFamily="34" charset="0"/>
+              <a:buChar char="•"/>
+            </a:pPr>
+            <a:r>
+              <a:rPr lang="sr-Latn-RS" dirty="0"/>
+              <a:t>Dependencies – svi dependency-ji su takođe zapakovani tu</a:t>
+            </a:r>
+          </a:p>
+          <a:p>
+            <a:pPr marL="171450" indent="-171450">
+              <a:buFont typeface="Arial" panose="020B0604020202020204" pitchFamily="34" charset="0"/>
+              <a:buChar char="•"/>
+            </a:pPr>
+            <a:r>
+              <a:rPr lang="sr-Latn-RS" dirty="0"/>
+              <a:t>Run anywhere – može da se pokrene svuda</a:t>
+            </a:r>
+            <a:r>
+              <a:rPr lang="en-US" dirty="0"/>
+              <a:t>, </a:t>
+            </a:r>
+            <a:r>
+              <a:rPr lang="sr-Latn-RS" dirty="0"/>
+              <a:t>što praktično znači da je platform agnostic / infrastructure agnostic / topology agnostic</a:t>
+            </a:r>
+          </a:p>
+          <a:p>
+            <a:pPr marL="171450" indent="-171450">
+              <a:buFont typeface="Arial" panose="020B0604020202020204" pitchFamily="34" charset="0"/>
+              <a:buChar char="•"/>
+            </a:pPr>
+            <a:endParaRPr lang="sr-Latn-RS" dirty="0"/>
+          </a:p>
+          <a:p>
             <a:pPr marL="0" indent="0">
               <a:buFont typeface="Arial" panose="020B0604020202020204" pitchFamily="34" charset="0"/>
               <a:buNone/>
             </a:pPr>
             <a:r>
               <a:rPr lang="sr-Latn-RS" dirty="0"/>
-              <a:t>Ali ja nikad nisam čuo za kontejnere, ko to uopšte koristi?</a:t>
-            </a:r>
-          </a:p>
-          <a:p>
-            <a:pPr marL="0" indent="0">
+              <a:t>Zvuči sjajno zar ne?</a:t>
+            </a:r>
+          </a:p>
+          <a:p>
+            <a:pPr marL="171450" indent="-171450">
               <a:buFont typeface="Arial" panose="020B0604020202020204" pitchFamily="34" charset="0"/>
-              <a:buNone/>
-            </a:pPr>
-            <a:endParaRPr lang="sr-Latn-RS" dirty="0"/>
-          </a:p>
-          <a:p>
-            <a:pPr marL="0" indent="0">
-              <a:buFont typeface="Arial" panose="020B0604020202020204" pitchFamily="34" charset="0"/>
-              <a:buNone/>
-            </a:pPr>
-            <a:r>
-              <a:rPr lang="sr-Latn-RS" dirty="0"/>
-              <a:t>Evo malo statistike:</a:t>
-            </a:r>
-          </a:p>
-          <a:p>
-            <a:pPr marL="0" indent="0">
-              <a:buFont typeface="Arial" panose="020B0604020202020204" pitchFamily="34" charset="0"/>
-              <a:buNone/>
-            </a:pPr>
-            <a:br>
-              <a:rPr lang="sr-Latn-RS" dirty="0"/>
-            </a:br>
-            <a:r>
-              <a:rPr lang="sr-Latn-RS" dirty="0"/>
-              <a:t>Šta kažu Gartner i CNCF (Cloude Native Computing Foundation) – regulatorno telo za sve cloud native technologije.</a:t>
-            </a:r>
-          </a:p>
-          <a:p>
-            <a:pPr marL="0" indent="0">
-              <a:buFont typeface="Arial" panose="020B0604020202020204" pitchFamily="34" charset="0"/>
-              <a:buNone/>
+              <a:buChar char="•"/>
             </a:pPr>
             <a:endParaRPr lang="en-US" dirty="0"/>
           </a:p>
@@ -1243,7 +1292,7 @@
     </p:spTree>
     <p:extLst>
       <p:ext uri="{BB962C8B-B14F-4D97-AF65-F5344CB8AC3E}">
-        <p14:creationId xmlns:p14="http://schemas.microsoft.com/office/powerpoint/2010/main" val="3442292388"/>
+        <p14:creationId xmlns:p14="http://schemas.microsoft.com/office/powerpoint/2010/main" val="787034972"/>
       </p:ext>
     </p:extLst>
   </p:cSld>
@@ -1303,138 +1352,43 @@
             </a:pPr>
             <a:r>
               <a:rPr lang="sr-Latn-RS" dirty="0"/>
-              <a:t>Otkud taj termin kontejnerizacija?</a:t>
-            </a:r>
-          </a:p>
-          <a:p>
-            <a:pPr marL="171450" indent="-171450">
+              <a:t>Ali ja nikad nisam čuo za kontejnere, ko to uopšte koristi?</a:t>
+            </a:r>
+          </a:p>
+          <a:p>
+            <a:pPr marL="0" indent="0">
               <a:buFont typeface="Arial" panose="020B0604020202020204" pitchFamily="34" charset="0"/>
-              <a:buChar char="•"/>
-            </a:pPr>
-            <a:r>
-              <a:rPr lang="sr-Latn-RS" dirty="0"/>
-              <a:t>Popularizuje se launch-em Docker-a 2012. godine</a:t>
-            </a:r>
-          </a:p>
-          <a:p>
-            <a:pPr marL="171450" indent="-171450">
-              <a:buFont typeface="Arial" panose="020B0604020202020204" pitchFamily="34" charset="0"/>
-              <a:buChar char="•"/>
-            </a:pPr>
-            <a:r>
-              <a:rPr lang="sr-Latn-RS" dirty="0"/>
-              <a:t>Postaje još popularniji 2016. godine launch-em Kubernetes Open Source project-a</a:t>
-            </a:r>
-          </a:p>
-          <a:p>
-            <a:pPr marL="628650" lvl="1" indent="-171450">
-              <a:buFont typeface="Arial" panose="020B0604020202020204" pitchFamily="34" charset="0"/>
-              <a:buChar char="•"/>
-            </a:pPr>
-            <a:r>
-              <a:rPr lang="sr-Latn-RS" dirty="0"/>
-              <a:t>U ovom crash course-u nećemo pričati o Kubernetesu, možda ga pomenemo.</a:t>
-            </a:r>
-          </a:p>
-          <a:p>
-            <a:pPr marL="628650" lvl="1" indent="-171450">
-              <a:buFont typeface="Arial" panose="020B0604020202020204" pitchFamily="34" charset="0"/>
-              <a:buChar char="•"/>
-            </a:pPr>
-            <a:r>
-              <a:rPr lang="sr-Latn-RS" dirty="0"/>
-              <a:t>Kubernetes je praktično sledeći korak nakon što naučimo doker</a:t>
-            </a:r>
-          </a:p>
-          <a:p>
-            <a:pPr marL="628650" lvl="1" indent="-171450">
-              <a:buFont typeface="Arial" panose="020B0604020202020204" pitchFamily="34" charset="0"/>
-              <a:buChar char="•"/>
-            </a:pPr>
-            <a:r>
-              <a:rPr lang="sr-Latn-RS" dirty="0"/>
-              <a:t>Izuzetno je važan za razumevanje, da bi smo razumeli Red Hat Open Shift i svo Cloud Native IBM smeće (IBM CloudPaks)</a:t>
-            </a:r>
-          </a:p>
-          <a:p>
-            <a:pPr marL="171450" lvl="0" indent="-171450">
-              <a:buFont typeface="Arial" panose="020B0604020202020204" pitchFamily="34" charset="0"/>
-              <a:buChar char="•"/>
+              <a:buNone/>
             </a:pPr>
             <a:endParaRPr lang="sr-Latn-RS" dirty="0"/>
           </a:p>
           <a:p>
-            <a:pPr marL="171450" lvl="0" indent="-171450">
+            <a:pPr marL="0" indent="0">
               <a:buFont typeface="Arial" panose="020B0604020202020204" pitchFamily="34" charset="0"/>
-              <a:buChar char="•"/>
+              <a:buNone/>
             </a:pPr>
             <a:r>
               <a:rPr lang="sr-Latn-RS" dirty="0"/>
-              <a:t>Pojam nastao 2007. release-ovanjem nove verzije Linux kernela – Uvođenjem kontrolnih grupa.</a:t>
-            </a:r>
-          </a:p>
-          <a:p>
-            <a:pPr marL="628650" lvl="1" indent="-171450">
+              <a:t>Evo malo statistike:</a:t>
+            </a:r>
+          </a:p>
+          <a:p>
+            <a:pPr marL="0" indent="0">
               <a:buFont typeface="Arial" panose="020B0604020202020204" pitchFamily="34" charset="0"/>
-              <a:buChar char="•"/>
+              <a:buNone/>
             </a:pPr>
-            <a:r>
+            <a:br>
               <a:rPr lang="sr-Latn-RS" dirty="0"/>
-              <a:t>Napomena, Info: Linux kernel se razvija kao Open Source project i najveći je (najveća gužva, najviše pull requestova, najviše kontributora) repozitorijum na github-u. Link: https://github.com/torvalds/linux</a:t>
-            </a:r>
-          </a:p>
-          <a:p>
-            <a:pPr marL="171450" lvl="0" indent="-171450">
+            </a:br>
+            <a:r>
+              <a:rPr lang="sr-Latn-RS" dirty="0"/>
+              <a:t>Šta kažu Gartner i CNCF (Cloude Native Computing Foundation) – regulatorno telo za sve cloud native technologije.</a:t>
+            </a:r>
+          </a:p>
+          <a:p>
+            <a:pPr marL="0" indent="0">
               <a:buFont typeface="Arial" panose="020B0604020202020204" pitchFamily="34" charset="0"/>
-              <a:buChar char="•"/>
-            </a:pPr>
-            <a:endParaRPr lang="sr-Latn-RS" dirty="0"/>
-          </a:p>
-          <a:p>
-            <a:pPr marL="171450" lvl="0" indent="-171450">
-              <a:buFont typeface="Arial" panose="020B0604020202020204" pitchFamily="34" charset="0"/>
-              <a:buChar char="•"/>
-            </a:pPr>
-            <a:r>
-              <a:rPr lang="sr-Latn-RS" dirty="0"/>
-              <a:t>Na ovaj način smo postigli razvrstavanje usage-a po procesima, što je bilo ranije jako teško izvesti.</a:t>
-            </a:r>
-          </a:p>
-          <a:p>
-            <a:pPr marL="171450" lvl="0" indent="-171450">
-              <a:buFont typeface="Arial" panose="020B0604020202020204" pitchFamily="34" charset="0"/>
-              <a:buChar char="•"/>
-            </a:pPr>
-            <a:endParaRPr lang="sr-Latn-RS" dirty="0"/>
-          </a:p>
-          <a:p>
-            <a:pPr marL="628650" lvl="1" indent="-171450">
-              <a:buFont typeface="Arial" panose="020B0604020202020204" pitchFamily="34" charset="0"/>
-              <a:buChar char="•"/>
-            </a:pPr>
-            <a:r>
-              <a:rPr lang="sr-Latn-RS" dirty="0"/>
-              <a:t>INFO: Cgroups su takođe hteli da nazivaju kontejnerima na nivou kernela, ali da ne bi dolazilo do zabune zbog nekih drugih sličnih feature-a odustali su od tog imena. Tako da kontejnerizacija kao generalni termin nije nastala „tek tako“ već kao ilustrativni primer izolacije resursa po procesima.</a:t>
-            </a:r>
-          </a:p>
-          <a:p>
-            <a:pPr marL="171450" lvl="0" indent="-171450">
-              <a:buFont typeface="Arial" panose="020B0604020202020204" pitchFamily="34" charset="0"/>
-              <a:buChar char="•"/>
-            </a:pPr>
-            <a:endParaRPr lang="sr-Latn-RS" dirty="0"/>
-          </a:p>
-          <a:p>
-            <a:pPr marL="628650" lvl="1" indent="-171450">
-              <a:buFont typeface="Arial" panose="020B0604020202020204" pitchFamily="34" charset="0"/>
-              <a:buChar char="•"/>
-            </a:pPr>
-            <a:endParaRPr lang="sr-Latn-RS" dirty="0"/>
-          </a:p>
-          <a:p>
-            <a:pPr marL="628650" lvl="1" indent="-171450">
-              <a:buFont typeface="Arial" panose="020B0604020202020204" pitchFamily="34" charset="0"/>
-              <a:buChar char="•"/>
+              <a:buNone/>
             </a:pPr>
             <a:endParaRPr lang="en-US" dirty="0"/>
           </a:p>
@@ -1466,7 +1420,7 @@
     </p:spTree>
     <p:extLst>
       <p:ext uri="{BB962C8B-B14F-4D97-AF65-F5344CB8AC3E}">
-        <p14:creationId xmlns:p14="http://schemas.microsoft.com/office/powerpoint/2010/main" val="545841249"/>
+        <p14:creationId xmlns:p14="http://schemas.microsoft.com/office/powerpoint/2010/main" val="3442292388"/>
       </p:ext>
     </p:extLst>
   </p:cSld>
@@ -1520,13 +1474,63 @@
           <a:bodyPr/>
           <a:lstStyle/>
           <a:p>
-            <a:pPr marL="0" lvl="0" indent="0">
+            <a:pPr marL="0" indent="0">
               <a:buFont typeface="Arial" panose="020B0604020202020204" pitchFamily="34" charset="0"/>
               <a:buNone/>
             </a:pPr>
             <a:r>
               <a:rPr lang="sr-Latn-RS" dirty="0"/>
-              <a:t>Još jedan feature (malo matoriji) postoji koji je osposobio kontejnerizaciju:</a:t>
+              <a:t>Otkud taj termin kontejnerizacija?</a:t>
+            </a:r>
+          </a:p>
+          <a:p>
+            <a:pPr marL="171450" indent="-171450">
+              <a:buFont typeface="Arial" panose="020B0604020202020204" pitchFamily="34" charset="0"/>
+              <a:buChar char="•"/>
+            </a:pPr>
+            <a:r>
+              <a:rPr lang="sr-Latn-RS" dirty="0"/>
+              <a:t>Popularizuje se launch-em Docker-a 2012. godine</a:t>
+            </a:r>
+          </a:p>
+          <a:p>
+            <a:pPr marL="171450" indent="-171450">
+              <a:buFont typeface="Arial" panose="020B0604020202020204" pitchFamily="34" charset="0"/>
+              <a:buChar char="•"/>
+            </a:pPr>
+            <a:r>
+              <a:rPr lang="sr-Latn-RS" dirty="0"/>
+              <a:t>Postaje još popularniji 2016. godine launch-em Kubernetes Open Source project-a</a:t>
+            </a:r>
+          </a:p>
+          <a:p>
+            <a:pPr marL="628650" lvl="1" indent="-171450">
+              <a:buFont typeface="Arial" panose="020B0604020202020204" pitchFamily="34" charset="0"/>
+              <a:buChar char="•"/>
+            </a:pPr>
+            <a:r>
+              <a:rPr lang="sr-Latn-RS" dirty="0"/>
+              <a:t>U ovom crash course-u nećemo pričati o Kubernetesu, možda ga pomenemo.</a:t>
+            </a:r>
+          </a:p>
+          <a:p>
+            <a:pPr marL="628650" lvl="1" indent="-171450">
+              <a:buFont typeface="Arial" panose="020B0604020202020204" pitchFamily="34" charset="0"/>
+              <a:buChar char="•"/>
+            </a:pPr>
+            <a:r>
+              <a:rPr lang="sr-Latn-RS" dirty="0"/>
+              <a:t>Kubernetes je praktično sledeći korak nakon što naučimo doker</a:t>
+            </a:r>
+          </a:p>
+          <a:p>
+            <a:pPr marL="628650" lvl="1" indent="-171450">
+              <a:buFont typeface="Arial" panose="020B0604020202020204" pitchFamily="34" charset="0"/>
+              <a:buChar char="•"/>
+            </a:pPr>
+            <a:r>
+              <a:rPr lang="sr-Latn-RS" dirty="0"/>
+              <a:t>Izuzetno je važan za razumevanje, da bi smo razumeli Red Hat Open Shift i svo Cloud Native IBM smeće (IBM CloudPaks)</a:t>
             </a:r>
           </a:p>
           <a:p>
@@ -1534,10 +1538,7 @@
               <a:buFont typeface="Arial" panose="020B0604020202020204" pitchFamily="34" charset="0"/>
               <a:buChar char="•"/>
             </a:pPr>
-            <a:r>
-              <a:rPr lang="sr-Latn-RS" dirty="0"/>
-              <a:t>Namespaces – separacija file systema. Svaki proces koristi svoje parče diska.</a:t>
-            </a:r>
+            <a:endParaRPr lang="sr-Latn-RS" dirty="0"/>
           </a:p>
           <a:p>
             <a:pPr marL="171450" lvl="0" indent="-171450">
@@ -1546,22 +1547,25 @@
             </a:pPr>
             <a:r>
               <a:rPr lang="sr-Latn-RS" dirty="0"/>
-              <a:t>Formula cgroups + namespaces = potpuna izolacija procesa i resursa i storage-a</a:t>
-            </a:r>
-            <a:br>
+              <a:t>Pojam nastao 2007. release-ovanjem nove verzije Linux kernela – Uvođenjem kontrolnih grupa.</a:t>
+            </a:r>
+          </a:p>
+          <a:p>
+            <a:pPr marL="628650" lvl="1" indent="-171450">
+              <a:buFont typeface="Arial" panose="020B0604020202020204" pitchFamily="34" charset="0"/>
+              <a:buChar char="•"/>
+            </a:pPr>
+            <a:r>
               <a:rPr lang="sr-Latn-RS" dirty="0"/>
-            </a:br>
-            <a:endParaRPr lang="sr-Latn-RS" dirty="0"/>
+              <a:t>Napomena, Info: Linux kernel se razvija kao Open Source project i najveći je (najveća gužva, najviše pull requestova, najviše kontributora) repozitorijum na github-u. Link: https://github.com/torvalds/linux</a:t>
+            </a:r>
           </a:p>
           <a:p>
             <a:pPr marL="171450" lvl="0" indent="-171450">
               <a:buFont typeface="Arial" panose="020B0604020202020204" pitchFamily="34" charset="0"/>
               <a:buChar char="•"/>
             </a:pPr>
-            <a:r>
-              <a:rPr lang="sr-Latn-RS" dirty="0"/>
-              <a:t>KOntejner =&gt; izolovana celina</a:t>
-            </a:r>
+            <a:endParaRPr lang="sr-Latn-RS" dirty="0"/>
           </a:p>
           <a:p>
             <a:pPr marL="171450" lvl="0" indent="-171450">
@@ -1570,13 +1574,37 @@
             </a:pPr>
             <a:r>
               <a:rPr lang="sr-Latn-RS" dirty="0"/>
-              <a:t>Virtuelizacija -&gt; Slična VM principima, posle ćemo videti i što su tako nazvali ovaj proces izolacije</a:t>
-            </a:r>
-          </a:p>
-          <a:p>
-            <a:pPr marL="457200" lvl="1" indent="0">
+              <a:t>Na ovaj način smo postigli razvrstavanje usage-a po procesima, što je bilo ranije jako teško izvesti.</a:t>
+            </a:r>
+          </a:p>
+          <a:p>
+            <a:pPr marL="171450" lvl="0" indent="-171450">
               <a:buFont typeface="Arial" panose="020B0604020202020204" pitchFamily="34" charset="0"/>
-              <a:buNone/>
+              <a:buChar char="•"/>
+            </a:pPr>
+            <a:endParaRPr lang="sr-Latn-RS" dirty="0"/>
+          </a:p>
+          <a:p>
+            <a:pPr marL="628650" lvl="1" indent="-171450">
+              <a:buFont typeface="Arial" panose="020B0604020202020204" pitchFamily="34" charset="0"/>
+              <a:buChar char="•"/>
+            </a:pPr>
+            <a:r>
+              <a:rPr lang="sr-Latn-RS" dirty="0"/>
+              <a:t>INFO: Cgroups su takođe hteli da nazivaju kontejnerima na nivou kernela, ali da ne bi dolazilo do zabune zbog nekih drugih sličnih feature-a odustali su od tog imena. Tako da kontejnerizacija kao generalni termin nije nastala „tek tako“ već kao ilustrativni primer izolacije resursa po procesima.</a:t>
+            </a:r>
+          </a:p>
+          <a:p>
+            <a:pPr marL="171450" lvl="0" indent="-171450">
+              <a:buFont typeface="Arial" panose="020B0604020202020204" pitchFamily="34" charset="0"/>
+              <a:buChar char="•"/>
+            </a:pPr>
+            <a:endParaRPr lang="sr-Latn-RS" dirty="0"/>
+          </a:p>
+          <a:p>
+            <a:pPr marL="628650" lvl="1" indent="-171450">
+              <a:buFont typeface="Arial" panose="020B0604020202020204" pitchFamily="34" charset="0"/>
+              <a:buChar char="•"/>
             </a:pPr>
             <a:endParaRPr lang="sr-Latn-RS" dirty="0"/>
           </a:p>
@@ -1615,7 +1643,7 @@
     </p:spTree>
     <p:extLst>
       <p:ext uri="{BB962C8B-B14F-4D97-AF65-F5344CB8AC3E}">
-        <p14:creationId xmlns:p14="http://schemas.microsoft.com/office/powerpoint/2010/main" val="2489242373"/>
+        <p14:creationId xmlns:p14="http://schemas.microsoft.com/office/powerpoint/2010/main" val="545841249"/>
       </p:ext>
     </p:extLst>
   </p:cSld>
@@ -1675,56 +1703,52 @@
             </a:pPr>
             <a:r>
               <a:rPr lang="sr-Latn-RS" dirty="0"/>
-              <a:t>Još linuksa .... o neeeeeeeeee </a:t>
-            </a:r>
-            <a:br>
+              <a:t>Još jedan feature (malo matoriji) postoji koji je osposobio kontejnerizaciju:</a:t>
+            </a:r>
+          </a:p>
+          <a:p>
+            <a:pPr marL="171450" lvl="0" indent="-171450">
+              <a:buFont typeface="Arial" panose="020B0604020202020204" pitchFamily="34" charset="0"/>
+              <a:buChar char="•"/>
+            </a:pPr>
+            <a:r>
               <a:rPr lang="sr-Latn-RS" dirty="0"/>
-            </a:br>
-            <a:br>
+              <a:t>Namespaces – separacija file systema. Svaki proces koristi svoje parče diska.</a:t>
+            </a:r>
+          </a:p>
+          <a:p>
+            <a:pPr marL="171450" lvl="0" indent="-171450">
+              <a:buFont typeface="Arial" panose="020B0604020202020204" pitchFamily="34" charset="0"/>
+              <a:buChar char="•"/>
+            </a:pPr>
+            <a:r>
               <a:rPr lang="sr-Latn-RS" dirty="0"/>
-            </a:br>
-            <a:r>
-              <a:rPr lang="sr-Latn-RS" dirty="0"/>
-              <a:t>#Click</a:t>
-            </a:r>
-            <a:br>
-              <a:rPr lang="sr-Latn-RS" dirty="0"/>
-            </a:br>
-            <a:r>
-              <a:rPr lang="sr-Latn-RS" dirty="0"/>
-              <a:t>Linux = Kernel + Kernel Modules -&gt; Interface nad hardware-om</a:t>
-            </a:r>
-          </a:p>
-          <a:p>
-            <a:pPr marL="0" lvl="0" indent="0">
-              <a:buFont typeface="Arial" panose="020B0604020202020204" pitchFamily="34" charset="0"/>
-              <a:buNone/>
-            </a:pPr>
-            <a:endParaRPr lang="sr-Latn-RS" dirty="0"/>
-          </a:p>
-          <a:p>
-            <a:pPr marL="0" lvl="0" indent="0">
-              <a:buFont typeface="Arial" panose="020B0604020202020204" pitchFamily="34" charset="0"/>
-              <a:buNone/>
-            </a:pPr>
-            <a:r>
-              <a:rPr lang="sr-Latn-RS" dirty="0"/>
-              <a:t>#Click</a:t>
-            </a:r>
-          </a:p>
-          <a:p>
-            <a:pPr marL="0" lvl="0" indent="0">
-              <a:buFont typeface="Arial" panose="020B0604020202020204" pitchFamily="34" charset="0"/>
-              <a:buNone/>
-            </a:pPr>
-            <a:r>
-              <a:rPr lang="sr-Latn-RS" dirty="0"/>
-              <a:t>Sve ostalo što dođe „iznad“ kernela je od distroa do distroa različito.</a:t>
+              <a:t>Formula cgroups + namespaces = potpuna izolacija procesa i resursa i storage-a</a:t>
             </a:r>
             <a:br>
               <a:rPr lang="sr-Latn-RS" dirty="0"/>
             </a:br>
             <a:endParaRPr lang="sr-Latn-RS" dirty="0"/>
+          </a:p>
+          <a:p>
+            <a:pPr marL="171450" lvl="0" indent="-171450">
+              <a:buFont typeface="Arial" panose="020B0604020202020204" pitchFamily="34" charset="0"/>
+              <a:buChar char="•"/>
+            </a:pPr>
+            <a:r>
+              <a:rPr lang="sr-Latn-RS" dirty="0"/>
+              <a:t>KOntejner =&gt; izolovana celina</a:t>
+            </a:r>
+          </a:p>
+          <a:p>
+            <a:pPr marL="171450" lvl="0" indent="-171450">
+              <a:buFont typeface="Arial" panose="020B0604020202020204" pitchFamily="34" charset="0"/>
+              <a:buChar char="•"/>
+            </a:pPr>
+            <a:r>
+              <a:rPr lang="sr-Latn-RS" dirty="0"/>
+              <a:t>Virtuelizacija -&gt; Slična VM principima, posle ćemo videti i što su tako nazvali ovaj proces izolacije</a:t>
+            </a:r>
           </a:p>
           <a:p>
             <a:pPr marL="457200" lvl="1" indent="0">
@@ -1768,7 +1792,7 @@
     </p:spTree>
     <p:extLst>
       <p:ext uri="{BB962C8B-B14F-4D97-AF65-F5344CB8AC3E}">
-        <p14:creationId xmlns:p14="http://schemas.microsoft.com/office/powerpoint/2010/main" val="1810591121"/>
+        <p14:creationId xmlns:p14="http://schemas.microsoft.com/office/powerpoint/2010/main" val="2489242373"/>
       </p:ext>
     </p:extLst>
   </p:cSld>
@@ -1822,82 +1846,76 @@
           <a:bodyPr/>
           <a:lstStyle/>
           <a:p>
+            <a:pPr marL="0" lvl="0" indent="0">
+              <a:buFont typeface="Arial" panose="020B0604020202020204" pitchFamily="34" charset="0"/>
+              <a:buNone/>
+            </a:pPr>
+            <a:r>
+              <a:rPr lang="sr-Latn-RS" dirty="0"/>
+              <a:t>Još linuksa .... o neeeeeeeeee </a:t>
+            </a:r>
+            <a:br>
+              <a:rPr lang="sr-Latn-RS" dirty="0"/>
+            </a:br>
+            <a:br>
+              <a:rPr lang="sr-Latn-RS" dirty="0"/>
+            </a:br>
+            <a:r>
+              <a:rPr lang="sr-Latn-RS" dirty="0"/>
+              <a:t>#Click</a:t>
+            </a:r>
+            <a:br>
+              <a:rPr lang="sr-Latn-RS" dirty="0"/>
+            </a:br>
+            <a:r>
+              <a:rPr lang="sr-Latn-RS" dirty="0"/>
+              <a:t>Linux = Kernel + Kernel Modules -&gt; Interface nad hardware-om</a:t>
+            </a:r>
+          </a:p>
+          <a:p>
+            <a:pPr marL="0" lvl="0" indent="0">
+              <a:buFont typeface="Arial" panose="020B0604020202020204" pitchFamily="34" charset="0"/>
+              <a:buNone/>
+            </a:pPr>
+            <a:endParaRPr lang="sr-Latn-RS" dirty="0"/>
+          </a:p>
+          <a:p>
+            <a:pPr marL="0" lvl="0" indent="0">
+              <a:buFont typeface="Arial" panose="020B0604020202020204" pitchFamily="34" charset="0"/>
+              <a:buNone/>
+            </a:pPr>
+            <a:r>
+              <a:rPr lang="sr-Latn-RS" dirty="0"/>
+              <a:t>#Click</a:t>
+            </a:r>
+          </a:p>
+          <a:p>
+            <a:pPr marL="0" lvl="0" indent="0">
+              <a:buFont typeface="Arial" panose="020B0604020202020204" pitchFamily="34" charset="0"/>
+              <a:buNone/>
+            </a:pPr>
+            <a:r>
+              <a:rPr lang="sr-Latn-RS" dirty="0"/>
+              <a:t>Sve ostalo što dođe „iznad“ kernela je od distroa do distroa različito.</a:t>
+            </a:r>
+            <a:br>
+              <a:rPr lang="sr-Latn-RS" dirty="0"/>
+            </a:br>
+            <a:endParaRPr lang="sr-Latn-RS" dirty="0"/>
+          </a:p>
+          <a:p>
+            <a:pPr marL="457200" lvl="1" indent="0">
+              <a:buFont typeface="Arial" panose="020B0604020202020204" pitchFamily="34" charset="0"/>
+              <a:buNone/>
+            </a:pPr>
+            <a:endParaRPr lang="sr-Latn-RS" dirty="0"/>
+          </a:p>
+          <a:p>
             <a:pPr marL="628650" lvl="1" indent="-171450">
               <a:buFont typeface="Arial" panose="020B0604020202020204" pitchFamily="34" charset="0"/>
               <a:buChar char="•"/>
             </a:pPr>
-            <a:r>
-              <a:rPr lang="sr-Latn-RS" dirty="0"/>
-              <a:t>Ovde ćemo pričati o Virtuelizaciju kroz jedan primer, misaoni.</a:t>
-            </a:r>
-          </a:p>
-          <a:p>
-            <a:pPr marL="628650" lvl="1" indent="-171450">
-              <a:buFont typeface="Arial" panose="020B0604020202020204" pitchFamily="34" charset="0"/>
-              <a:buChar char="•"/>
-            </a:pPr>
-            <a:endParaRPr lang="sr-Latn-RS" dirty="0"/>
-          </a:p>
-          <a:p>
-            <a:pPr marL="628650" lvl="1" indent="-171450">
-              <a:buFont typeface="Arial" panose="020B0604020202020204" pitchFamily="34" charset="0"/>
-              <a:buChar char="•"/>
-            </a:pPr>
-            <a:r>
-              <a:rPr lang="sr-Latn-RS" dirty="0"/>
-              <a:t>Na jednoj distribuciji Linux OS-a, neka bude Linux Mint imamo određene sistemske biblioteke i procese višeg nivoa</a:t>
-            </a:r>
-            <a:br>
-              <a:rPr lang="sr-Latn-RS" dirty="0"/>
-            </a:br>
-            <a:r>
-              <a:rPr lang="sr-Latn-RS" dirty="0"/>
-              <a:t>(OBELEŽI OLOVKOM O ČEMU PRIČAŠ).</a:t>
-            </a:r>
-          </a:p>
-          <a:p>
-            <a:pPr marL="628650" lvl="1" indent="-171450">
-              <a:buFont typeface="Arial" panose="020B0604020202020204" pitchFamily="34" charset="0"/>
-              <a:buChar char="•"/>
-            </a:pPr>
-            <a:r>
-              <a:rPr lang="sr-Latn-RS" dirty="0"/>
-              <a:t>Napravimo NOVU procesnu hijerarhiju i izvršimo izolaciju procesa pomoću namespace-va i cgroups-a</a:t>
-            </a:r>
-          </a:p>
-          <a:p>
-            <a:pPr marL="628650" lvl="1" indent="-171450">
-              <a:buFont typeface="Arial" panose="020B0604020202020204" pitchFamily="34" charset="0"/>
-              <a:buChar char="•"/>
-            </a:pPr>
-            <a:endParaRPr lang="sr-Latn-RS" dirty="0"/>
-          </a:p>
-          <a:p>
-            <a:pPr marL="628650" lvl="1" indent="-171450">
-              <a:buFont typeface="Arial" panose="020B0604020202020204" pitchFamily="34" charset="0"/>
-              <a:buChar char="•"/>
-            </a:pPr>
-            <a:r>
-              <a:rPr lang="sr-Latn-RS" dirty="0"/>
-              <a:t>Izolovanu grupu konfigurišemo tako što u taj izolovani prostor (suštnski kontejner) dodamo System library-je, compilesr, User Utility, User process-e i etc od neke druge distribucije npr. Ubuntu postižemo podizanje jednog OS-a nad drugim OS-om.</a:t>
-            </a:r>
-          </a:p>
-          <a:p>
-            <a:pPr marL="628650" lvl="1" indent="-171450">
-              <a:buFont typeface="Arial" panose="020B0604020202020204" pitchFamily="34" charset="0"/>
-              <a:buChar char="•"/>
-            </a:pPr>
-            <a:endParaRPr lang="sr-Latn-RS" dirty="0"/>
-          </a:p>
-          <a:p>
-            <a:pPr marL="628650" lvl="1" indent="-171450">
-              <a:buFont typeface="Arial" panose="020B0604020202020204" pitchFamily="34" charset="0"/>
-              <a:buChar char="•"/>
-            </a:pPr>
-            <a:r>
-              <a:rPr lang="sr-Latn-RS" dirty="0"/>
-              <a:t>Zato se proces naziva *virtuelizacija*</a:t>
-            </a:r>
+            <a:endParaRPr lang="en-US" dirty="0"/>
           </a:p>
         </p:txBody>
       </p:sp>
@@ -1927,7 +1945,7 @@
     </p:spTree>
     <p:extLst>
       <p:ext uri="{BB962C8B-B14F-4D97-AF65-F5344CB8AC3E}">
-        <p14:creationId xmlns:p14="http://schemas.microsoft.com/office/powerpoint/2010/main" val="1434366752"/>
+        <p14:creationId xmlns:p14="http://schemas.microsoft.com/office/powerpoint/2010/main" val="1810591121"/>
       </p:ext>
     </p:extLst>
   </p:cSld>
@@ -2086,7 +2104,7 @@
     </p:spTree>
     <p:extLst>
       <p:ext uri="{BB962C8B-B14F-4D97-AF65-F5344CB8AC3E}">
-        <p14:creationId xmlns:p14="http://schemas.microsoft.com/office/powerpoint/2010/main" val="3041091959"/>
+        <p14:creationId xmlns:p14="http://schemas.microsoft.com/office/powerpoint/2010/main" val="1434366752"/>
       </p:ext>
     </p:extLst>
   </p:cSld>
@@ -2140,19 +2158,82 @@
           <a:bodyPr/>
           <a:lstStyle/>
           <a:p>
-            <a:pPr marL="457200" lvl="1" indent="0">
+            <a:pPr marL="628650" lvl="1" indent="-171450">
               <a:buFont typeface="Arial" panose="020B0604020202020204" pitchFamily="34" charset="0"/>
-              <a:buNone/>
+              <a:buChar char="•"/>
             </a:pPr>
             <a:r>
-              <a:rPr lang="sr-Latn-RS" b="1" dirty="0"/>
-              <a:t>Container Engine</a:t>
-            </a:r>
-            <a:r>
-              <a:rPr lang="sr-Latn-RS" b="0" dirty="0"/>
-              <a:t> – komponenta/softver koja pruža API i koja apstrahuje proces kreiranja kontejnera tj. virtuelizacije.</a:t>
-            </a:r>
-            <a:endParaRPr lang="en-US" b="1" dirty="0"/>
+              <a:rPr lang="sr-Latn-RS" dirty="0"/>
+              <a:t>Ovde ćemo pričati o Virtuelizaciju kroz jedan primer, misaoni.</a:t>
+            </a:r>
+          </a:p>
+          <a:p>
+            <a:pPr marL="628650" lvl="1" indent="-171450">
+              <a:buFont typeface="Arial" panose="020B0604020202020204" pitchFamily="34" charset="0"/>
+              <a:buChar char="•"/>
+            </a:pPr>
+            <a:endParaRPr lang="sr-Latn-RS" dirty="0"/>
+          </a:p>
+          <a:p>
+            <a:pPr marL="628650" lvl="1" indent="-171450">
+              <a:buFont typeface="Arial" panose="020B0604020202020204" pitchFamily="34" charset="0"/>
+              <a:buChar char="•"/>
+            </a:pPr>
+            <a:r>
+              <a:rPr lang="sr-Latn-RS" dirty="0"/>
+              <a:t>Na jednoj distribuciji Linux OS-a, neka bude Linux Mint imamo određene sistemske biblioteke i procese višeg nivoa</a:t>
+            </a:r>
+            <a:br>
+              <a:rPr lang="sr-Latn-RS" dirty="0"/>
+            </a:br>
+            <a:r>
+              <a:rPr lang="sr-Latn-RS" dirty="0"/>
+              <a:t>(OBELEŽI OLOVKOM O ČEMU PRIČAŠ).</a:t>
+            </a:r>
+          </a:p>
+          <a:p>
+            <a:pPr marL="628650" lvl="1" indent="-171450">
+              <a:buFont typeface="Arial" panose="020B0604020202020204" pitchFamily="34" charset="0"/>
+              <a:buChar char="•"/>
+            </a:pPr>
+            <a:r>
+              <a:rPr lang="sr-Latn-RS" dirty="0"/>
+              <a:t>Napravimo NOVU procesnu hijerarhiju i izvršimo izolaciju procesa pomoću namespace-va i cgroups-a</a:t>
+            </a:r>
+          </a:p>
+          <a:p>
+            <a:pPr marL="628650" lvl="1" indent="-171450">
+              <a:buFont typeface="Arial" panose="020B0604020202020204" pitchFamily="34" charset="0"/>
+              <a:buChar char="•"/>
+            </a:pPr>
+            <a:endParaRPr lang="sr-Latn-RS" dirty="0"/>
+          </a:p>
+          <a:p>
+            <a:pPr marL="628650" lvl="1" indent="-171450">
+              <a:buFont typeface="Arial" panose="020B0604020202020204" pitchFamily="34" charset="0"/>
+              <a:buChar char="•"/>
+            </a:pPr>
+            <a:r>
+              <a:rPr lang="sr-Latn-RS" dirty="0"/>
+              <a:t>Izolovanu grupu konfigurišemo tako što u taj izolovani prostor (suštnski kontejner) dodamo System library-je, compilesr, User Utility, User process-e i etc od neke druge distribucije npr. Ubuntu postižemo podizanje jednog OS-a nad drugim OS-om.</a:t>
+            </a:r>
+          </a:p>
+          <a:p>
+            <a:pPr marL="628650" lvl="1" indent="-171450">
+              <a:buFont typeface="Arial" panose="020B0604020202020204" pitchFamily="34" charset="0"/>
+              <a:buChar char="•"/>
+            </a:pPr>
+            <a:endParaRPr lang="sr-Latn-RS" dirty="0"/>
+          </a:p>
+          <a:p>
+            <a:pPr marL="628650" lvl="1" indent="-171450">
+              <a:buFont typeface="Arial" panose="020B0604020202020204" pitchFamily="34" charset="0"/>
+              <a:buChar char="•"/>
+            </a:pPr>
+            <a:r>
+              <a:rPr lang="sr-Latn-RS" dirty="0"/>
+              <a:t>Zato se proces naziva *virtuelizacija*</a:t>
+            </a:r>
           </a:p>
         </p:txBody>
       </p:sp>
@@ -2182,7 +2263,7 @@
     </p:spTree>
     <p:extLst>
       <p:ext uri="{BB962C8B-B14F-4D97-AF65-F5344CB8AC3E}">
-        <p14:creationId xmlns:p14="http://schemas.microsoft.com/office/powerpoint/2010/main" val="1840739749"/>
+        <p14:creationId xmlns:p14="http://schemas.microsoft.com/office/powerpoint/2010/main" val="3041091959"/>
       </p:ext>
     </p:extLst>
   </p:cSld>
@@ -2240,6 +2321,14 @@
               <a:buFont typeface="Arial" panose="020B0604020202020204" pitchFamily="34" charset="0"/>
               <a:buNone/>
             </a:pPr>
+            <a:r>
+              <a:rPr lang="sr-Latn-RS" b="1" dirty="0"/>
+              <a:t>Container Engine</a:t>
+            </a:r>
+            <a:r>
+              <a:rPr lang="sr-Latn-RS" b="0" dirty="0"/>
+              <a:t> – komponenta/softver koja pruža API i koja apstrahuje proces kreiranja kontejnera tj. virtuelizacije.</a:t>
+            </a:r>
             <a:endParaRPr lang="en-US" b="1" dirty="0"/>
           </a:p>
         </p:txBody>
@@ -2270,7 +2359,7 @@
     </p:spTree>
     <p:extLst>
       <p:ext uri="{BB962C8B-B14F-4D97-AF65-F5344CB8AC3E}">
-        <p14:creationId xmlns:p14="http://schemas.microsoft.com/office/powerpoint/2010/main" val="3043967481"/>
+        <p14:creationId xmlns:p14="http://schemas.microsoft.com/office/powerpoint/2010/main" val="1840739749"/>
       </p:ext>
     </p:extLst>
   </p:cSld>
@@ -2524,7 +2613,7 @@
           <a:p>
             <a:fld id="{9184DA70-C731-4C70-880D-CCD4705E623C}" type="datetime1">
               <a:rPr lang="en-US" smtClean="0"/>
-              <a:t>9/24/2021</a:t>
+              <a:t>9/29/2021</a:t>
             </a:fld>
             <a:endParaRPr lang="en-US" dirty="0"/>
           </a:p>
@@ -2712,7 +2801,7 @@
           <a:p>
             <a:fld id="{B612A279-0833-481D-8C56-F67FD0AC6C50}" type="datetime1">
               <a:rPr lang="en-US" smtClean="0"/>
-              <a:t>9/24/2021</a:t>
+              <a:t>9/29/2021</a:t>
             </a:fld>
             <a:endParaRPr lang="en-US" dirty="0"/>
           </a:p>
@@ -2954,7 +3043,7 @@
           <a:p>
             <a:fld id="{6587DA83-5663-4C9C-B9AA-0B40A3DAFF81}" type="datetime1">
               <a:rPr lang="en-US" smtClean="0"/>
-              <a:t>9/24/2021</a:t>
+              <a:t>9/29/2021</a:t>
             </a:fld>
             <a:endParaRPr lang="en-US" dirty="0"/>
           </a:p>
@@ -3142,7 +3231,7 @@
           <a:p>
             <a:fld id="{4BE1D723-8F53-4F53-90B0-1982A396982E}" type="datetime1">
               <a:rPr lang="en-US" smtClean="0"/>
-              <a:t>9/24/2021</a:t>
+              <a:t>9/29/2021</a:t>
             </a:fld>
             <a:endParaRPr lang="en-US" dirty="0"/>
           </a:p>
@@ -3507,7 +3596,7 @@
           <a:p>
             <a:fld id="{97669AF7-7BEB-44E4-9852-375E34362B5B}" type="datetime1">
               <a:rPr lang="en-US" smtClean="0"/>
-              <a:t>9/24/2021</a:t>
+              <a:t>9/29/2021</a:t>
             </a:fld>
             <a:endParaRPr lang="en-US" dirty="0"/>
           </a:p>
@@ -3762,7 +3851,7 @@
           <a:p>
             <a:fld id="{BAAAC38D-0552-4C82-B593-E6124DFADBE2}" type="datetime1">
               <a:rPr lang="en-US" smtClean="0"/>
-              <a:t>9/24/2021</a:t>
+              <a:t>9/29/2021</a:t>
             </a:fld>
             <a:endParaRPr lang="en-US" dirty="0"/>
           </a:p>
@@ -4159,7 +4248,7 @@
           <a:p>
             <a:fld id="{D9DF0F1C-5577-4ACB-BB62-DF8F3C494C7E}" type="datetime1">
               <a:rPr lang="en-US" smtClean="0"/>
-              <a:t>9/24/2021</a:t>
+              <a:t>9/29/2021</a:t>
             </a:fld>
             <a:endParaRPr lang="en-US" dirty="0"/>
           </a:p>
@@ -4295,7 +4384,7 @@
           <a:p>
             <a:fld id="{1775B394-D9F9-4F0C-B15D-605F45CB9E9F}" type="datetime1">
               <a:rPr lang="en-US" smtClean="0"/>
-              <a:t>9/24/2021</a:t>
+              <a:t>9/29/2021</a:t>
             </a:fld>
             <a:endParaRPr lang="en-US" dirty="0"/>
           </a:p>
@@ -4452,7 +4541,7 @@
           <a:p>
             <a:fld id="{39667345-2558-425A-8533-9BFDBCE15005}" type="datetime1">
               <a:rPr lang="en-US" smtClean="0"/>
-              <a:t>9/24/2021</a:t>
+              <a:t>9/29/2021</a:t>
             </a:fld>
             <a:endParaRPr lang="en-US" dirty="0"/>
           </a:p>
@@ -4781,7 +4870,7 @@
           <a:p>
             <a:fld id="{92BEA474-078D-4E9B-9B14-09A87B19DC46}" type="datetime1">
               <a:rPr lang="en-US" smtClean="0"/>
-              <a:t>9/24/2021</a:t>
+              <a:t>9/29/2021</a:t>
             </a:fld>
             <a:endParaRPr lang="en-US" dirty="0"/>
           </a:p>
@@ -5131,7 +5220,7 @@
           <a:p>
             <a:fld id="{4907D986-8816-4272-A432-0437A28A9828}" type="datetime1">
               <a:rPr lang="en-US" smtClean="0"/>
-              <a:t>9/24/2021</a:t>
+              <a:t>9/29/2021</a:t>
             </a:fld>
             <a:endParaRPr lang="en-US" dirty="0"/>
           </a:p>
@@ -5422,7 +5511,7 @@
           <a:p>
             <a:fld id="{62D6E202-B606-4609-B914-27C9371A1F6D}" type="datetime1">
               <a:rPr lang="en-US" smtClean="0"/>
-              <a:t>9/24/2021</a:t>
+              <a:t>9/29/2021</a:t>
             </a:fld>
             <a:endParaRPr lang="en-US" dirty="0"/>
           </a:p>
@@ -6324,6 +6413,498 @@
               <a:rPr lang="sr-Latn-RS" dirty="0">
                 <a:latin typeface="Consolas" panose="020B0609020204030204" pitchFamily="49" charset="0"/>
               </a:rPr>
+              <a:t>I šta sada sa time?</a:t>
+            </a:r>
+            <a:endParaRPr lang="en-US" dirty="0">
+              <a:latin typeface="Consolas" panose="020B0609020204030204" pitchFamily="49" charset="0"/>
+            </a:endParaRPr>
+          </a:p>
+        </p:txBody>
+      </p:sp>
+      <p:sp>
+        <p:nvSpPr>
+          <p:cNvPr id="3" name="Content Placeholder 2">
+            <a:extLst>
+              <a:ext uri="{FF2B5EF4-FFF2-40B4-BE49-F238E27FC236}">
+                <a16:creationId xmlns:a16="http://schemas.microsoft.com/office/drawing/2014/main" id="{703F8D58-9E47-443B-8A26-DF4792630628}"/>
+              </a:ext>
+            </a:extLst>
+          </p:cNvPr>
+          <p:cNvSpPr>
+            <a:spLocks noGrp="1"/>
+          </p:cNvSpPr>
+          <p:nvPr>
+            <p:ph idx="1"/>
+          </p:nvPr>
+        </p:nvSpPr>
+        <p:spPr>
+          <a:xfrm>
+            <a:off x="426720" y="927877"/>
+            <a:ext cx="11338560" cy="5614415"/>
+          </a:xfrm>
+          <a:noFill/>
+        </p:spPr>
+        <p:txBody>
+          <a:bodyPr>
+            <a:normAutofit/>
+          </a:bodyPr>
+          <a:lstStyle/>
+          <a:p>
+            <a:pPr marL="376238" indent="-285750">
+              <a:buClr>
+                <a:schemeClr val="tx1"/>
+              </a:buClr>
+              <a:buFont typeface="Courier New" panose="02070309020205020404" pitchFamily="49" charset="0"/>
+              <a:buChar char="o"/>
+            </a:pPr>
+            <a:r>
+              <a:rPr lang="sr-Latn-RS" sz="2000" dirty="0">
+                <a:latin typeface="Consolas" panose="020B0609020204030204" pitchFamily="49" charset="0"/>
+              </a:rPr>
+              <a:t>Naravno da ne pravimo kontejnere tako što prčkamo po procesima, sami, jer bi nam za to trebala velika Linux ekspertiza, a neki khm khm (ne gledajte u mene) nemaju završen Linux kurs.</a:t>
+            </a:r>
+          </a:p>
+          <a:p>
+            <a:pPr marL="376238" indent="-285750">
+              <a:buClr>
+                <a:schemeClr val="tx1"/>
+              </a:buClr>
+              <a:buFont typeface="Courier New" panose="02070309020205020404" pitchFamily="49" charset="0"/>
+              <a:buChar char="o"/>
+            </a:pPr>
+            <a:r>
+              <a:rPr lang="sr-Latn-RS" sz="2000" b="1" dirty="0">
+                <a:latin typeface="Consolas" panose="020B0609020204030204" pitchFamily="49" charset="0"/>
+              </a:rPr>
+              <a:t>Container Engine</a:t>
+            </a:r>
+            <a:r>
+              <a:rPr lang="sr-Latn-RS" sz="2000" dirty="0">
+                <a:latin typeface="Consolas" panose="020B0609020204030204" pitchFamily="49" charset="0"/>
+              </a:rPr>
+              <a:t> – Specijalizovani software-i koji apstrahuju proces virtuelizacije na nivou OS-a, tako što nam pružaju znatno jednostavniji API, po principu „Hej ti, endžine, napravi mi kontejner“, a celokupni rad </a:t>
+            </a:r>
+            <a:r>
+              <a:rPr lang="sr-Latn-RS" sz="2000" i="1" dirty="0">
+                <a:latin typeface="Consolas" panose="020B0609020204030204" pitchFamily="49" charset="0"/>
+              </a:rPr>
+              <a:t>ispod haube</a:t>
+            </a:r>
+            <a:r>
+              <a:rPr lang="sr-Latn-RS" sz="2000" dirty="0">
+                <a:latin typeface="Consolas" panose="020B0609020204030204" pitchFamily="49" charset="0"/>
+              </a:rPr>
+              <a:t> je enkapsuliran i sakriven od nas.</a:t>
+            </a:r>
+          </a:p>
+          <a:p>
+            <a:pPr marL="376238" indent="-285750">
+              <a:buClr>
+                <a:schemeClr val="tx1"/>
+              </a:buClr>
+              <a:buFont typeface="Courier New" panose="02070309020205020404" pitchFamily="49" charset="0"/>
+              <a:buChar char="o"/>
+            </a:pPr>
+            <a:r>
+              <a:rPr lang="sr-Latn-RS" sz="2000" dirty="0">
+                <a:latin typeface="Consolas" panose="020B0609020204030204" pitchFamily="49" charset="0"/>
+              </a:rPr>
+              <a:t>Postoje razni Container Engine-i među kojima su najpopularniji: Docker, Rkt (čita se Rocket), CRI-O, ...</a:t>
+            </a:r>
+          </a:p>
+          <a:p>
+            <a:pPr marL="376238" indent="-285750">
+              <a:buClr>
+                <a:schemeClr val="tx1"/>
+              </a:buClr>
+              <a:buFont typeface="Courier New" panose="02070309020205020404" pitchFamily="49" charset="0"/>
+              <a:buChar char="o"/>
+            </a:pPr>
+            <a:endParaRPr lang="sr-Latn-RS" sz="2000" dirty="0">
+              <a:latin typeface="Consolas" panose="020B0609020204030204" pitchFamily="49" charset="0"/>
+            </a:endParaRPr>
+          </a:p>
+          <a:p>
+            <a:pPr marL="376238" indent="-285750">
+              <a:buClr>
+                <a:schemeClr val="tx1"/>
+              </a:buClr>
+              <a:buFont typeface="Courier New" panose="02070309020205020404" pitchFamily="49" charset="0"/>
+              <a:buChar char="o"/>
+            </a:pPr>
+            <a:r>
+              <a:rPr lang="sr-Latn-RS" sz="2000" dirty="0">
+                <a:latin typeface="Consolas" panose="020B0609020204030204" pitchFamily="49" charset="0"/>
+              </a:rPr>
+              <a:t>Postoji određena nomenklatura koju prate gotovo svi Engine-i, i bitno je da razumemo korake koji postoje u radu sa kontejnerima:</a:t>
+            </a:r>
+          </a:p>
+        </p:txBody>
+      </p:sp>
+      <p:pic>
+        <p:nvPicPr>
+          <p:cNvPr id="4" name="Picture 3">
+            <a:extLst>
+              <a:ext uri="{FF2B5EF4-FFF2-40B4-BE49-F238E27FC236}">
+                <a16:creationId xmlns:a16="http://schemas.microsoft.com/office/drawing/2014/main" id="{D81EE7F8-76BC-45CA-B12E-B58EBAD61117}"/>
+              </a:ext>
+            </a:extLst>
+          </p:cNvPr>
+          <p:cNvPicPr>
+            <a:picLocks noChangeAspect="1"/>
+          </p:cNvPicPr>
+          <p:nvPr/>
+        </p:nvPicPr>
+        <p:blipFill>
+          <a:blip r:embed="rId3"/>
+          <a:stretch>
+            <a:fillRect/>
+          </a:stretch>
+        </p:blipFill>
+        <p:spPr>
+          <a:xfrm>
+            <a:off x="9392194" y="1"/>
+            <a:ext cx="2799806" cy="676508"/>
+          </a:xfrm>
+          <a:prstGeom prst="rect">
+            <a:avLst/>
+          </a:prstGeom>
+        </p:spPr>
+      </p:pic>
+    </p:spTree>
+    <p:extLst>
+      <p:ext uri="{BB962C8B-B14F-4D97-AF65-F5344CB8AC3E}">
+        <p14:creationId xmlns:p14="http://schemas.microsoft.com/office/powerpoint/2010/main" val="1792617817"/>
+      </p:ext>
+    </p:extLst>
+  </p:cSld>
+  <p:clrMapOvr>
+    <a:masterClrMapping/>
+  </p:clrMapOvr>
+  <p:timing>
+    <p:tnLst>
+      <p:par>
+        <p:cTn id="1" dur="indefinite" restart="never" nodeType="tmRoot">
+          <p:childTnLst>
+            <p:seq concurrent="1" nextAc="seek">
+              <p:cTn id="2" dur="indefinite" nodeType="mainSeq">
+                <p:childTnLst>
+                  <p:par>
+                    <p:cTn id="3" fill="hold">
+                      <p:stCondLst>
+                        <p:cond delay="indefinite"/>
+                      </p:stCondLst>
+                      <p:childTnLst>
+                        <p:par>
+                          <p:cTn id="4" fill="hold">
+                            <p:stCondLst>
+                              <p:cond delay="0"/>
+                            </p:stCondLst>
+                            <p:childTnLst>
+                              <p:par>
+                                <p:cTn id="5" presetID="10" presetClass="entr" presetSubtype="0" fill="hold" nodeType="clickEffect">
+                                  <p:stCondLst>
+                                    <p:cond delay="0"/>
+                                  </p:stCondLst>
+                                  <p:childTnLst>
+                                    <p:set>
+                                      <p:cBhvr>
+                                        <p:cTn id="6" dur="1" fill="hold">
+                                          <p:stCondLst>
+                                            <p:cond delay="0"/>
+                                          </p:stCondLst>
+                                        </p:cTn>
+                                        <p:tgtEl>
+                                          <p:spTgt spid="3">
+                                            <p:txEl>
+                                              <p:pRg st="0" end="0"/>
+                                            </p:txEl>
+                                          </p:spTgt>
+                                        </p:tgtEl>
+                                        <p:attrNameLst>
+                                          <p:attrName>style.visibility</p:attrName>
+                                        </p:attrNameLst>
+                                      </p:cBhvr>
+                                      <p:to>
+                                        <p:strVal val="visible"/>
+                                      </p:to>
+                                    </p:set>
+                                    <p:animEffect transition="in" filter="fade">
+                                      <p:cBhvr>
+                                        <p:cTn id="7" dur="500"/>
+                                        <p:tgtEl>
+                                          <p:spTgt spid="3">
+                                            <p:txEl>
+                                              <p:pRg st="0" end="0"/>
+                                            </p:txEl>
+                                          </p:spTgt>
+                                        </p:tgtEl>
+                                      </p:cBhvr>
+                                    </p:animEffect>
+                                  </p:childTnLst>
+                                </p:cTn>
+                              </p:par>
+                            </p:childTnLst>
+                          </p:cTn>
+                        </p:par>
+                      </p:childTnLst>
+                    </p:cTn>
+                  </p:par>
+                  <p:par>
+                    <p:cTn id="8" fill="hold">
+                      <p:stCondLst>
+                        <p:cond delay="indefinite"/>
+                      </p:stCondLst>
+                      <p:childTnLst>
+                        <p:par>
+                          <p:cTn id="9" fill="hold">
+                            <p:stCondLst>
+                              <p:cond delay="0"/>
+                            </p:stCondLst>
+                            <p:childTnLst>
+                              <p:par>
+                                <p:cTn id="10" presetID="10" presetClass="entr" presetSubtype="0" fill="hold" nodeType="clickEffect">
+                                  <p:stCondLst>
+                                    <p:cond delay="0"/>
+                                  </p:stCondLst>
+                                  <p:childTnLst>
+                                    <p:set>
+                                      <p:cBhvr>
+                                        <p:cTn id="11" dur="1" fill="hold">
+                                          <p:stCondLst>
+                                            <p:cond delay="0"/>
+                                          </p:stCondLst>
+                                        </p:cTn>
+                                        <p:tgtEl>
+                                          <p:spTgt spid="3">
+                                            <p:txEl>
+                                              <p:pRg st="1" end="1"/>
+                                            </p:txEl>
+                                          </p:spTgt>
+                                        </p:tgtEl>
+                                        <p:attrNameLst>
+                                          <p:attrName>style.visibility</p:attrName>
+                                        </p:attrNameLst>
+                                      </p:cBhvr>
+                                      <p:to>
+                                        <p:strVal val="visible"/>
+                                      </p:to>
+                                    </p:set>
+                                    <p:animEffect transition="in" filter="fade">
+                                      <p:cBhvr>
+                                        <p:cTn id="12" dur="500"/>
+                                        <p:tgtEl>
+                                          <p:spTgt spid="3">
+                                            <p:txEl>
+                                              <p:pRg st="1" end="1"/>
+                                            </p:txEl>
+                                          </p:spTgt>
+                                        </p:tgtEl>
+                                      </p:cBhvr>
+                                    </p:animEffect>
+                                  </p:childTnLst>
+                                </p:cTn>
+                              </p:par>
+                            </p:childTnLst>
+                          </p:cTn>
+                        </p:par>
+                      </p:childTnLst>
+                    </p:cTn>
+                  </p:par>
+                  <p:par>
+                    <p:cTn id="13" fill="hold">
+                      <p:stCondLst>
+                        <p:cond delay="indefinite"/>
+                      </p:stCondLst>
+                      <p:childTnLst>
+                        <p:par>
+                          <p:cTn id="14" fill="hold">
+                            <p:stCondLst>
+                              <p:cond delay="0"/>
+                            </p:stCondLst>
+                            <p:childTnLst>
+                              <p:par>
+                                <p:cTn id="15" presetID="10" presetClass="entr" presetSubtype="0" fill="hold" nodeType="clickEffect">
+                                  <p:stCondLst>
+                                    <p:cond delay="0"/>
+                                  </p:stCondLst>
+                                  <p:childTnLst>
+                                    <p:set>
+                                      <p:cBhvr>
+                                        <p:cTn id="16" dur="1" fill="hold">
+                                          <p:stCondLst>
+                                            <p:cond delay="0"/>
+                                          </p:stCondLst>
+                                        </p:cTn>
+                                        <p:tgtEl>
+                                          <p:spTgt spid="3">
+                                            <p:txEl>
+                                              <p:pRg st="2" end="2"/>
+                                            </p:txEl>
+                                          </p:spTgt>
+                                        </p:tgtEl>
+                                        <p:attrNameLst>
+                                          <p:attrName>style.visibility</p:attrName>
+                                        </p:attrNameLst>
+                                      </p:cBhvr>
+                                      <p:to>
+                                        <p:strVal val="visible"/>
+                                      </p:to>
+                                    </p:set>
+                                    <p:animEffect transition="in" filter="fade">
+                                      <p:cBhvr>
+                                        <p:cTn id="17" dur="500"/>
+                                        <p:tgtEl>
+                                          <p:spTgt spid="3">
+                                            <p:txEl>
+                                              <p:pRg st="2" end="2"/>
+                                            </p:txEl>
+                                          </p:spTgt>
+                                        </p:tgtEl>
+                                      </p:cBhvr>
+                                    </p:animEffect>
+                                  </p:childTnLst>
+                                </p:cTn>
+                              </p:par>
+                            </p:childTnLst>
+                          </p:cTn>
+                        </p:par>
+                      </p:childTnLst>
+                    </p:cTn>
+                  </p:par>
+                  <p:par>
+                    <p:cTn id="18" fill="hold">
+                      <p:stCondLst>
+                        <p:cond delay="indefinite"/>
+                      </p:stCondLst>
+                      <p:childTnLst>
+                        <p:par>
+                          <p:cTn id="19" fill="hold">
+                            <p:stCondLst>
+                              <p:cond delay="0"/>
+                            </p:stCondLst>
+                            <p:childTnLst>
+                              <p:par>
+                                <p:cTn id="20" presetID="10" presetClass="entr" presetSubtype="0" fill="hold" nodeType="clickEffect">
+                                  <p:stCondLst>
+                                    <p:cond delay="0"/>
+                                  </p:stCondLst>
+                                  <p:childTnLst>
+                                    <p:set>
+                                      <p:cBhvr>
+                                        <p:cTn id="21" dur="1" fill="hold">
+                                          <p:stCondLst>
+                                            <p:cond delay="0"/>
+                                          </p:stCondLst>
+                                        </p:cTn>
+                                        <p:tgtEl>
+                                          <p:spTgt spid="3">
+                                            <p:txEl>
+                                              <p:pRg st="4" end="4"/>
+                                            </p:txEl>
+                                          </p:spTgt>
+                                        </p:tgtEl>
+                                        <p:attrNameLst>
+                                          <p:attrName>style.visibility</p:attrName>
+                                        </p:attrNameLst>
+                                      </p:cBhvr>
+                                      <p:to>
+                                        <p:strVal val="visible"/>
+                                      </p:to>
+                                    </p:set>
+                                    <p:animEffect transition="in" filter="fade">
+                                      <p:cBhvr>
+                                        <p:cTn id="22" dur="500"/>
+                                        <p:tgtEl>
+                                          <p:spTgt spid="3">
+                                            <p:txEl>
+                                              <p:pRg st="4" end="4"/>
+                                            </p:txEl>
+                                          </p:spTgt>
+                                        </p:tgtEl>
+                                      </p:cBhvr>
+                                    </p:animEffect>
+                                  </p:childTnLst>
+                                </p:cTn>
+                              </p:par>
+                            </p:childTnLst>
+                          </p:cTn>
+                        </p:par>
+                      </p:childTnLst>
+                    </p:cTn>
+                  </p:par>
+                </p:childTnLst>
+              </p:cTn>
+              <p:prevCondLst>
+                <p:cond evt="onPrev" delay="0">
+                  <p:tgtEl>
+                    <p:sldTgt/>
+                  </p:tgtEl>
+                </p:cond>
+              </p:prevCondLst>
+              <p:nextCondLst>
+                <p:cond evt="onNext" delay="0">
+                  <p:tgtEl>
+                    <p:sldTgt/>
+                  </p:tgtEl>
+                </p:cond>
+              </p:nextCondLst>
+            </p:seq>
+          </p:childTnLst>
+        </p:cTn>
+      </p:par>
+    </p:tnLst>
+  </p:timing>
+</p:sld>
+</file>
+
+<file path=ppt/slides/slide11.xml><?xml version="1.0" encoding="utf-8"?>
+<p:sld xmlns:a="http://schemas.openxmlformats.org/drawingml/2006/main" xmlns:r="http://schemas.openxmlformats.org/officeDocument/2006/relationships" xmlns:p="http://schemas.openxmlformats.org/presentationml/2006/main" showMasterSp="0">
+  <p:cSld>
+    <p:spTree>
+      <p:nvGrpSpPr>
+        <p:cNvPr id="1" name=""/>
+        <p:cNvGrpSpPr/>
+        <p:nvPr/>
+      </p:nvGrpSpPr>
+      <p:grpSpPr>
+        <a:xfrm>
+          <a:off x="0" y="0"/>
+          <a:ext cx="0" cy="0"/>
+          <a:chOff x="0" y="0"/>
+          <a:chExt cx="0" cy="0"/>
+        </a:xfrm>
+      </p:grpSpPr>
+      <p:sp>
+        <p:nvSpPr>
+          <p:cNvPr id="2" name="Title 1">
+            <a:extLst>
+              <a:ext uri="{FF2B5EF4-FFF2-40B4-BE49-F238E27FC236}">
+                <a16:creationId xmlns:a16="http://schemas.microsoft.com/office/drawing/2014/main" id="{499BC091-DECF-4C03-A8FA-0850165DA5A6}"/>
+              </a:ext>
+            </a:extLst>
+          </p:cNvPr>
+          <p:cNvSpPr>
+            <a:spLocks noGrp="1"/>
+          </p:cNvSpPr>
+          <p:nvPr>
+            <p:ph type="title"/>
+          </p:nvPr>
+        </p:nvSpPr>
+        <p:spPr>
+          <a:xfrm>
+            <a:off x="426720" y="0"/>
+            <a:ext cx="10058400" cy="927877"/>
+          </a:xfrm>
+        </p:spPr>
+        <p:txBody>
+          <a:bodyPr/>
+          <a:lstStyle/>
+          <a:p>
+            <a:r>
+              <a:rPr lang="sr-Latn-RS" dirty="0">
+                <a:latin typeface="Consolas" panose="020B0609020204030204" pitchFamily="49" charset="0"/>
+              </a:rPr>
               <a:t>Nomenklatura</a:t>
             </a:r>
             <a:endParaRPr lang="en-US" dirty="0">
@@ -6991,7 +7572,7 @@
 </p:sld>
 </file>
 
-<file path=ppt/slides/slide11.xml><?xml version="1.0" encoding="utf-8"?>
+<file path=ppt/slides/slide12.xml><?xml version="1.0" encoding="utf-8"?>
 <p:sld xmlns:a="http://schemas.openxmlformats.org/drawingml/2006/main" xmlns:r="http://schemas.openxmlformats.org/officeDocument/2006/relationships" xmlns:p="http://schemas.openxmlformats.org/presentationml/2006/main" showMasterSp="0">
   <p:cSld>
     <p:spTree>
@@ -7605,7 +8186,7 @@
 </p:sld>
 </file>
 
-<file path=ppt/slides/slide12.xml><?xml version="1.0" encoding="utf-8"?>
+<file path=ppt/slides/slide13.xml><?xml version="1.0" encoding="utf-8"?>
 <p:sld xmlns:a="http://schemas.openxmlformats.org/drawingml/2006/main" xmlns:r="http://schemas.openxmlformats.org/officeDocument/2006/relationships" xmlns:p="http://schemas.openxmlformats.org/presentationml/2006/main" showMasterSp="0">
   <p:cSld>
     <p:spTree>
@@ -8214,7 +8795,7 @@
 </p:sld>
 </file>
 
-<file path=ppt/slides/slide13.xml><?xml version="1.0" encoding="utf-8"?>
+<file path=ppt/slides/slide14.xml><?xml version="1.0" encoding="utf-8"?>
 <p:sld xmlns:a="http://schemas.openxmlformats.org/drawingml/2006/main" xmlns:r="http://schemas.openxmlformats.org/officeDocument/2006/relationships" xmlns:p="http://schemas.openxmlformats.org/presentationml/2006/main" showMasterSp="0">
   <p:cSld>
     <p:spTree>
@@ -8711,6 +9292,865 @@
 </file>
 
 <file path=ppt/slides/slide2.xml><?xml version="1.0" encoding="utf-8"?>
+<p:sld xmlns:a="http://schemas.openxmlformats.org/drawingml/2006/main" xmlns:r="http://schemas.openxmlformats.org/officeDocument/2006/relationships" xmlns:p="http://schemas.openxmlformats.org/presentationml/2006/main" showMasterSp="0">
+  <p:cSld>
+    <p:spTree>
+      <p:nvGrpSpPr>
+        <p:cNvPr id="1" name=""/>
+        <p:cNvGrpSpPr/>
+        <p:nvPr/>
+      </p:nvGrpSpPr>
+      <p:grpSpPr>
+        <a:xfrm>
+          <a:off x="0" y="0"/>
+          <a:ext cx="0" cy="0"/>
+          <a:chOff x="0" y="0"/>
+          <a:chExt cx="0" cy="0"/>
+        </a:xfrm>
+      </p:grpSpPr>
+      <p:sp>
+        <p:nvSpPr>
+          <p:cNvPr id="2" name="Title 1">
+            <a:extLst>
+              <a:ext uri="{FF2B5EF4-FFF2-40B4-BE49-F238E27FC236}">
+                <a16:creationId xmlns:a16="http://schemas.microsoft.com/office/drawing/2014/main" id="{499BC091-DECF-4C03-A8FA-0850165DA5A6}"/>
+              </a:ext>
+            </a:extLst>
+          </p:cNvPr>
+          <p:cNvSpPr>
+            <a:spLocks noGrp="1"/>
+          </p:cNvSpPr>
+          <p:nvPr>
+            <p:ph type="title"/>
+          </p:nvPr>
+        </p:nvSpPr>
+        <p:spPr>
+          <a:xfrm>
+            <a:off x="426720" y="0"/>
+            <a:ext cx="10058400" cy="927877"/>
+          </a:xfrm>
+        </p:spPr>
+        <p:txBody>
+          <a:bodyPr/>
+          <a:lstStyle/>
+          <a:p>
+            <a:r>
+              <a:rPr lang="en-US" dirty="0">
+                <a:latin typeface="Consolas" panose="020B0609020204030204" pitchFamily="49" charset="0"/>
+              </a:rPr>
+              <a:t>Z</a:t>
+            </a:r>
+            <a:r>
+              <a:rPr lang="sr-Latn-RS" dirty="0">
+                <a:latin typeface="Consolas" panose="020B0609020204030204" pitchFamily="49" charset="0"/>
+              </a:rPr>
+              <a:t>ašto sada?</a:t>
+            </a:r>
+            <a:endParaRPr lang="en-US" dirty="0">
+              <a:latin typeface="Consolas" panose="020B0609020204030204" pitchFamily="49" charset="0"/>
+            </a:endParaRPr>
+          </a:p>
+        </p:txBody>
+      </p:sp>
+      <p:pic>
+        <p:nvPicPr>
+          <p:cNvPr id="4" name="Picture 3">
+            <a:extLst>
+              <a:ext uri="{FF2B5EF4-FFF2-40B4-BE49-F238E27FC236}">
+                <a16:creationId xmlns:a16="http://schemas.microsoft.com/office/drawing/2014/main" id="{D81EE7F8-76BC-45CA-B12E-B58EBAD61117}"/>
+              </a:ext>
+            </a:extLst>
+          </p:cNvPr>
+          <p:cNvPicPr>
+            <a:picLocks noChangeAspect="1"/>
+          </p:cNvPicPr>
+          <p:nvPr/>
+        </p:nvPicPr>
+        <p:blipFill>
+          <a:blip r:embed="rId3"/>
+          <a:stretch>
+            <a:fillRect/>
+          </a:stretch>
+        </p:blipFill>
+        <p:spPr>
+          <a:xfrm>
+            <a:off x="9392194" y="1"/>
+            <a:ext cx="2799806" cy="676508"/>
+          </a:xfrm>
+          <a:prstGeom prst="rect">
+            <a:avLst/>
+          </a:prstGeom>
+        </p:spPr>
+      </p:pic>
+      <p:pic>
+        <p:nvPicPr>
+          <p:cNvPr id="11" name="Picture 10">
+            <a:extLst>
+              <a:ext uri="{FF2B5EF4-FFF2-40B4-BE49-F238E27FC236}">
+                <a16:creationId xmlns:a16="http://schemas.microsoft.com/office/drawing/2014/main" id="{65D867A2-693B-4452-A743-24D48ACFEFA4}"/>
+              </a:ext>
+            </a:extLst>
+          </p:cNvPr>
+          <p:cNvPicPr>
+            <a:picLocks noChangeAspect="1"/>
+          </p:cNvPicPr>
+          <p:nvPr/>
+        </p:nvPicPr>
+        <p:blipFill>
+          <a:blip r:embed="rId4"/>
+          <a:stretch>
+            <a:fillRect/>
+          </a:stretch>
+        </p:blipFill>
+        <p:spPr>
+          <a:xfrm>
+            <a:off x="985346" y="927877"/>
+            <a:ext cx="10221308" cy="5734756"/>
+          </a:xfrm>
+          <a:prstGeom prst="round2DiagRect">
+            <a:avLst>
+              <a:gd name="adj1" fmla="val 16667"/>
+              <a:gd name="adj2" fmla="val 0"/>
+            </a:avLst>
+          </a:prstGeom>
+          <a:ln w="88900" cap="sq">
+            <a:solidFill>
+              <a:srgbClr val="FFFFFF"/>
+            </a:solidFill>
+            <a:miter lim="800000"/>
+          </a:ln>
+          <a:effectLst>
+            <a:outerShdw blurRad="254000" algn="tl" rotWithShape="0">
+              <a:srgbClr val="000000">
+                <a:alpha val="43000"/>
+              </a:srgbClr>
+            </a:outerShdw>
+          </a:effectLst>
+        </p:spPr>
+      </p:pic>
+      <p:cxnSp>
+        <p:nvCxnSpPr>
+          <p:cNvPr id="13" name="Straight Connector 12">
+            <a:extLst>
+              <a:ext uri="{FF2B5EF4-FFF2-40B4-BE49-F238E27FC236}">
+                <a16:creationId xmlns:a16="http://schemas.microsoft.com/office/drawing/2014/main" id="{43FB1C27-E7ED-4E8C-B247-63E6FD628E76}"/>
+              </a:ext>
+            </a:extLst>
+          </p:cNvPr>
+          <p:cNvCxnSpPr/>
+          <p:nvPr/>
+        </p:nvCxnSpPr>
+        <p:spPr>
+          <a:xfrm>
+            <a:off x="1623060" y="2567940"/>
+            <a:ext cx="1272540" cy="0"/>
+          </a:xfrm>
+          <a:prstGeom prst="line">
+            <a:avLst/>
+          </a:prstGeom>
+          <a:ln w="19050">
+            <a:solidFill>
+              <a:srgbClr val="FF0000"/>
+            </a:solidFill>
+          </a:ln>
+        </p:spPr>
+        <p:style>
+          <a:lnRef idx="1">
+            <a:schemeClr val="accent1"/>
+          </a:lnRef>
+          <a:fillRef idx="0">
+            <a:schemeClr val="accent1"/>
+          </a:fillRef>
+          <a:effectRef idx="0">
+            <a:schemeClr val="accent1"/>
+          </a:effectRef>
+          <a:fontRef idx="minor">
+            <a:schemeClr val="tx1"/>
+          </a:fontRef>
+        </p:style>
+      </p:cxnSp>
+      <p:cxnSp>
+        <p:nvCxnSpPr>
+          <p:cNvPr id="14" name="Straight Connector 13">
+            <a:extLst>
+              <a:ext uri="{FF2B5EF4-FFF2-40B4-BE49-F238E27FC236}">
+                <a16:creationId xmlns:a16="http://schemas.microsoft.com/office/drawing/2014/main" id="{A7F759C8-E8AE-471B-A356-AC06603056DE}"/>
+              </a:ext>
+            </a:extLst>
+          </p:cNvPr>
+          <p:cNvCxnSpPr/>
+          <p:nvPr/>
+        </p:nvCxnSpPr>
+        <p:spPr>
+          <a:xfrm>
+            <a:off x="1626870" y="2788920"/>
+            <a:ext cx="1272540" cy="0"/>
+          </a:xfrm>
+          <a:prstGeom prst="line">
+            <a:avLst/>
+          </a:prstGeom>
+          <a:ln w="19050">
+            <a:solidFill>
+              <a:srgbClr val="FF0000"/>
+            </a:solidFill>
+          </a:ln>
+        </p:spPr>
+        <p:style>
+          <a:lnRef idx="1">
+            <a:schemeClr val="accent1"/>
+          </a:lnRef>
+          <a:fillRef idx="0">
+            <a:schemeClr val="accent1"/>
+          </a:fillRef>
+          <a:effectRef idx="0">
+            <a:schemeClr val="accent1"/>
+          </a:effectRef>
+          <a:fontRef idx="minor">
+            <a:schemeClr val="tx1"/>
+          </a:fontRef>
+        </p:style>
+      </p:cxnSp>
+      <p:cxnSp>
+        <p:nvCxnSpPr>
+          <p:cNvPr id="15" name="Straight Connector 14">
+            <a:extLst>
+              <a:ext uri="{FF2B5EF4-FFF2-40B4-BE49-F238E27FC236}">
+                <a16:creationId xmlns:a16="http://schemas.microsoft.com/office/drawing/2014/main" id="{06435852-A9BC-4BB5-9372-29F2A09ED50A}"/>
+              </a:ext>
+            </a:extLst>
+          </p:cNvPr>
+          <p:cNvCxnSpPr/>
+          <p:nvPr/>
+        </p:nvCxnSpPr>
+        <p:spPr>
+          <a:xfrm>
+            <a:off x="1623060" y="2994660"/>
+            <a:ext cx="1272540" cy="0"/>
+          </a:xfrm>
+          <a:prstGeom prst="line">
+            <a:avLst/>
+          </a:prstGeom>
+          <a:ln w="19050">
+            <a:solidFill>
+              <a:srgbClr val="FF0000"/>
+            </a:solidFill>
+          </a:ln>
+        </p:spPr>
+        <p:style>
+          <a:lnRef idx="1">
+            <a:schemeClr val="accent1"/>
+          </a:lnRef>
+          <a:fillRef idx="0">
+            <a:schemeClr val="accent1"/>
+          </a:fillRef>
+          <a:effectRef idx="0">
+            <a:schemeClr val="accent1"/>
+          </a:effectRef>
+          <a:fontRef idx="minor">
+            <a:schemeClr val="tx1"/>
+          </a:fontRef>
+        </p:style>
+      </p:cxnSp>
+      <p:cxnSp>
+        <p:nvCxnSpPr>
+          <p:cNvPr id="16" name="Straight Connector 15">
+            <a:extLst>
+              <a:ext uri="{FF2B5EF4-FFF2-40B4-BE49-F238E27FC236}">
+                <a16:creationId xmlns:a16="http://schemas.microsoft.com/office/drawing/2014/main" id="{A9D0DE17-1728-493E-AF0E-214AC4941754}"/>
+              </a:ext>
+            </a:extLst>
+          </p:cNvPr>
+          <p:cNvCxnSpPr/>
+          <p:nvPr/>
+        </p:nvCxnSpPr>
+        <p:spPr>
+          <a:xfrm>
+            <a:off x="1623060" y="3429000"/>
+            <a:ext cx="1272540" cy="0"/>
+          </a:xfrm>
+          <a:prstGeom prst="line">
+            <a:avLst/>
+          </a:prstGeom>
+          <a:ln w="19050">
+            <a:solidFill>
+              <a:srgbClr val="FF0000"/>
+            </a:solidFill>
+          </a:ln>
+        </p:spPr>
+        <p:style>
+          <a:lnRef idx="1">
+            <a:schemeClr val="accent1"/>
+          </a:lnRef>
+          <a:fillRef idx="0">
+            <a:schemeClr val="accent1"/>
+          </a:fillRef>
+          <a:effectRef idx="0">
+            <a:schemeClr val="accent1"/>
+          </a:effectRef>
+          <a:fontRef idx="minor">
+            <a:schemeClr val="tx1"/>
+          </a:fontRef>
+        </p:style>
+      </p:cxnSp>
+      <p:cxnSp>
+        <p:nvCxnSpPr>
+          <p:cNvPr id="17" name="Straight Connector 16">
+            <a:extLst>
+              <a:ext uri="{FF2B5EF4-FFF2-40B4-BE49-F238E27FC236}">
+                <a16:creationId xmlns:a16="http://schemas.microsoft.com/office/drawing/2014/main" id="{5E425D1F-9FA9-47CF-A179-466394C6645B}"/>
+              </a:ext>
+            </a:extLst>
+          </p:cNvPr>
+          <p:cNvCxnSpPr/>
+          <p:nvPr/>
+        </p:nvCxnSpPr>
+        <p:spPr>
+          <a:xfrm>
+            <a:off x="1623060" y="4030980"/>
+            <a:ext cx="1272540" cy="0"/>
+          </a:xfrm>
+          <a:prstGeom prst="line">
+            <a:avLst/>
+          </a:prstGeom>
+          <a:ln w="19050">
+            <a:solidFill>
+              <a:srgbClr val="FF0000"/>
+            </a:solidFill>
+          </a:ln>
+        </p:spPr>
+        <p:style>
+          <a:lnRef idx="1">
+            <a:schemeClr val="accent1"/>
+          </a:lnRef>
+          <a:fillRef idx="0">
+            <a:schemeClr val="accent1"/>
+          </a:fillRef>
+          <a:effectRef idx="0">
+            <a:schemeClr val="accent1"/>
+          </a:effectRef>
+          <a:fontRef idx="minor">
+            <a:schemeClr val="tx1"/>
+          </a:fontRef>
+        </p:style>
+      </p:cxnSp>
+      <p:cxnSp>
+        <p:nvCxnSpPr>
+          <p:cNvPr id="18" name="Straight Connector 17">
+            <a:extLst>
+              <a:ext uri="{FF2B5EF4-FFF2-40B4-BE49-F238E27FC236}">
+                <a16:creationId xmlns:a16="http://schemas.microsoft.com/office/drawing/2014/main" id="{637C8A37-F67F-497D-8394-C69ADD951113}"/>
+              </a:ext>
+            </a:extLst>
+          </p:cNvPr>
+          <p:cNvCxnSpPr/>
+          <p:nvPr/>
+        </p:nvCxnSpPr>
+        <p:spPr>
+          <a:xfrm>
+            <a:off x="1623060" y="4236720"/>
+            <a:ext cx="1272540" cy="0"/>
+          </a:xfrm>
+          <a:prstGeom prst="line">
+            <a:avLst/>
+          </a:prstGeom>
+          <a:ln w="19050">
+            <a:solidFill>
+              <a:srgbClr val="FF0000"/>
+            </a:solidFill>
+          </a:ln>
+        </p:spPr>
+        <p:style>
+          <a:lnRef idx="1">
+            <a:schemeClr val="accent1"/>
+          </a:lnRef>
+          <a:fillRef idx="0">
+            <a:schemeClr val="accent1"/>
+          </a:fillRef>
+          <a:effectRef idx="0">
+            <a:schemeClr val="accent1"/>
+          </a:effectRef>
+          <a:fontRef idx="minor">
+            <a:schemeClr val="tx1"/>
+          </a:fontRef>
+        </p:style>
+      </p:cxnSp>
+      <p:cxnSp>
+        <p:nvCxnSpPr>
+          <p:cNvPr id="19" name="Straight Connector 18">
+            <a:extLst>
+              <a:ext uri="{FF2B5EF4-FFF2-40B4-BE49-F238E27FC236}">
+                <a16:creationId xmlns:a16="http://schemas.microsoft.com/office/drawing/2014/main" id="{F63C4FC7-653B-467B-AD41-AD04CF06FC75}"/>
+              </a:ext>
+            </a:extLst>
+          </p:cNvPr>
+          <p:cNvCxnSpPr/>
+          <p:nvPr/>
+        </p:nvCxnSpPr>
+        <p:spPr>
+          <a:xfrm>
+            <a:off x="7284720" y="2567940"/>
+            <a:ext cx="1272540" cy="0"/>
+          </a:xfrm>
+          <a:prstGeom prst="line">
+            <a:avLst/>
+          </a:prstGeom>
+          <a:ln w="19050">
+            <a:solidFill>
+              <a:srgbClr val="FF0000"/>
+            </a:solidFill>
+          </a:ln>
+        </p:spPr>
+        <p:style>
+          <a:lnRef idx="1">
+            <a:schemeClr val="accent1"/>
+          </a:lnRef>
+          <a:fillRef idx="0">
+            <a:schemeClr val="accent1"/>
+          </a:fillRef>
+          <a:effectRef idx="0">
+            <a:schemeClr val="accent1"/>
+          </a:effectRef>
+          <a:fontRef idx="minor">
+            <a:schemeClr val="tx1"/>
+          </a:fontRef>
+        </p:style>
+      </p:cxnSp>
+      <p:cxnSp>
+        <p:nvCxnSpPr>
+          <p:cNvPr id="20" name="Straight Connector 19">
+            <a:extLst>
+              <a:ext uri="{FF2B5EF4-FFF2-40B4-BE49-F238E27FC236}">
+                <a16:creationId xmlns:a16="http://schemas.microsoft.com/office/drawing/2014/main" id="{3157A1CF-7ADE-4FA6-AD8E-6F2A6A60B4DD}"/>
+              </a:ext>
+            </a:extLst>
+          </p:cNvPr>
+          <p:cNvCxnSpPr/>
+          <p:nvPr/>
+        </p:nvCxnSpPr>
+        <p:spPr>
+          <a:xfrm>
+            <a:off x="7284720" y="2796540"/>
+            <a:ext cx="1272540" cy="0"/>
+          </a:xfrm>
+          <a:prstGeom prst="line">
+            <a:avLst/>
+          </a:prstGeom>
+          <a:ln w="19050">
+            <a:solidFill>
+              <a:srgbClr val="FF0000"/>
+            </a:solidFill>
+          </a:ln>
+        </p:spPr>
+        <p:style>
+          <a:lnRef idx="1">
+            <a:schemeClr val="accent1"/>
+          </a:lnRef>
+          <a:fillRef idx="0">
+            <a:schemeClr val="accent1"/>
+          </a:fillRef>
+          <a:effectRef idx="0">
+            <a:schemeClr val="accent1"/>
+          </a:effectRef>
+          <a:fontRef idx="minor">
+            <a:schemeClr val="tx1"/>
+          </a:fontRef>
+        </p:style>
+      </p:cxnSp>
+    </p:spTree>
+    <p:extLst>
+      <p:ext uri="{BB962C8B-B14F-4D97-AF65-F5344CB8AC3E}">
+        <p14:creationId xmlns:p14="http://schemas.microsoft.com/office/powerpoint/2010/main" val="1988954283"/>
+      </p:ext>
+    </p:extLst>
+  </p:cSld>
+  <p:clrMapOvr>
+    <a:masterClrMapping/>
+  </p:clrMapOvr>
+  <p:timing>
+    <p:tnLst>
+      <p:par>
+        <p:cTn id="1" dur="indefinite" restart="never" nodeType="tmRoot">
+          <p:childTnLst>
+            <p:seq concurrent="1" nextAc="seek">
+              <p:cTn id="2" dur="indefinite" nodeType="mainSeq">
+                <p:childTnLst>
+                  <p:par>
+                    <p:cTn id="3" fill="hold">
+                      <p:stCondLst>
+                        <p:cond delay="indefinite"/>
+                      </p:stCondLst>
+                      <p:childTnLst>
+                        <p:par>
+                          <p:cTn id="4" fill="hold">
+                            <p:stCondLst>
+                              <p:cond delay="0"/>
+                            </p:stCondLst>
+                            <p:childTnLst>
+                              <p:par>
+                                <p:cTn id="5" presetID="16" presetClass="entr" presetSubtype="37" fill="hold" nodeType="clickEffect">
+                                  <p:stCondLst>
+                                    <p:cond delay="0"/>
+                                  </p:stCondLst>
+                                  <p:childTnLst>
+                                    <p:set>
+                                      <p:cBhvr>
+                                        <p:cTn id="6" dur="1" fill="hold">
+                                          <p:stCondLst>
+                                            <p:cond delay="0"/>
+                                          </p:stCondLst>
+                                        </p:cTn>
+                                        <p:tgtEl>
+                                          <p:spTgt spid="11"/>
+                                        </p:tgtEl>
+                                        <p:attrNameLst>
+                                          <p:attrName>style.visibility</p:attrName>
+                                        </p:attrNameLst>
+                                      </p:cBhvr>
+                                      <p:to>
+                                        <p:strVal val="visible"/>
+                                      </p:to>
+                                    </p:set>
+                                    <p:animEffect transition="in" filter="barn(outVertical)">
+                                      <p:cBhvr>
+                                        <p:cTn id="7" dur="500"/>
+                                        <p:tgtEl>
+                                          <p:spTgt spid="11"/>
+                                        </p:tgtEl>
+                                      </p:cBhvr>
+                                    </p:animEffect>
+                                  </p:childTnLst>
+                                </p:cTn>
+                              </p:par>
+                            </p:childTnLst>
+                          </p:cTn>
+                        </p:par>
+                      </p:childTnLst>
+                    </p:cTn>
+                  </p:par>
+                  <p:par>
+                    <p:cTn id="8" fill="hold">
+                      <p:stCondLst>
+                        <p:cond delay="indefinite"/>
+                      </p:stCondLst>
+                      <p:childTnLst>
+                        <p:par>
+                          <p:cTn id="9" fill="hold">
+                            <p:stCondLst>
+                              <p:cond delay="0"/>
+                            </p:stCondLst>
+                            <p:childTnLst>
+                              <p:par>
+                                <p:cTn id="10" presetID="16" presetClass="entr" presetSubtype="37" fill="hold" nodeType="clickEffect">
+                                  <p:stCondLst>
+                                    <p:cond delay="0"/>
+                                  </p:stCondLst>
+                                  <p:childTnLst>
+                                    <p:set>
+                                      <p:cBhvr>
+                                        <p:cTn id="11" dur="1" fill="hold">
+                                          <p:stCondLst>
+                                            <p:cond delay="0"/>
+                                          </p:stCondLst>
+                                        </p:cTn>
+                                        <p:tgtEl>
+                                          <p:spTgt spid="13"/>
+                                        </p:tgtEl>
+                                        <p:attrNameLst>
+                                          <p:attrName>style.visibility</p:attrName>
+                                        </p:attrNameLst>
+                                      </p:cBhvr>
+                                      <p:to>
+                                        <p:strVal val="visible"/>
+                                      </p:to>
+                                    </p:set>
+                                    <p:animEffect transition="in" filter="barn(outVertical)">
+                                      <p:cBhvr>
+                                        <p:cTn id="12" dur="500"/>
+                                        <p:tgtEl>
+                                          <p:spTgt spid="13"/>
+                                        </p:tgtEl>
+                                      </p:cBhvr>
+                                    </p:animEffect>
+                                  </p:childTnLst>
+                                </p:cTn>
+                              </p:par>
+                              <p:par>
+                                <p:cTn id="13" presetID="16" presetClass="entr" presetSubtype="37" fill="hold" nodeType="withEffect">
+                                  <p:stCondLst>
+                                    <p:cond delay="0"/>
+                                  </p:stCondLst>
+                                  <p:childTnLst>
+                                    <p:set>
+                                      <p:cBhvr>
+                                        <p:cTn id="14" dur="1" fill="hold">
+                                          <p:stCondLst>
+                                            <p:cond delay="0"/>
+                                          </p:stCondLst>
+                                        </p:cTn>
+                                        <p:tgtEl>
+                                          <p:spTgt spid="14"/>
+                                        </p:tgtEl>
+                                        <p:attrNameLst>
+                                          <p:attrName>style.visibility</p:attrName>
+                                        </p:attrNameLst>
+                                      </p:cBhvr>
+                                      <p:to>
+                                        <p:strVal val="visible"/>
+                                      </p:to>
+                                    </p:set>
+                                    <p:animEffect transition="in" filter="barn(outVertical)">
+                                      <p:cBhvr>
+                                        <p:cTn id="15" dur="500"/>
+                                        <p:tgtEl>
+                                          <p:spTgt spid="14"/>
+                                        </p:tgtEl>
+                                      </p:cBhvr>
+                                    </p:animEffect>
+                                  </p:childTnLst>
+                                </p:cTn>
+                              </p:par>
+                              <p:par>
+                                <p:cTn id="16" presetID="16" presetClass="entr" presetSubtype="37" fill="hold" nodeType="withEffect">
+                                  <p:stCondLst>
+                                    <p:cond delay="0"/>
+                                  </p:stCondLst>
+                                  <p:childTnLst>
+                                    <p:set>
+                                      <p:cBhvr>
+                                        <p:cTn id="17" dur="1" fill="hold">
+                                          <p:stCondLst>
+                                            <p:cond delay="0"/>
+                                          </p:stCondLst>
+                                        </p:cTn>
+                                        <p:tgtEl>
+                                          <p:spTgt spid="15"/>
+                                        </p:tgtEl>
+                                        <p:attrNameLst>
+                                          <p:attrName>style.visibility</p:attrName>
+                                        </p:attrNameLst>
+                                      </p:cBhvr>
+                                      <p:to>
+                                        <p:strVal val="visible"/>
+                                      </p:to>
+                                    </p:set>
+                                    <p:animEffect transition="in" filter="barn(outVertical)">
+                                      <p:cBhvr>
+                                        <p:cTn id="18" dur="500"/>
+                                        <p:tgtEl>
+                                          <p:spTgt spid="15"/>
+                                        </p:tgtEl>
+                                      </p:cBhvr>
+                                    </p:animEffect>
+                                  </p:childTnLst>
+                                </p:cTn>
+                              </p:par>
+                              <p:par>
+                                <p:cTn id="19" presetID="16" presetClass="entr" presetSubtype="37" fill="hold" nodeType="withEffect">
+                                  <p:stCondLst>
+                                    <p:cond delay="0"/>
+                                  </p:stCondLst>
+                                  <p:childTnLst>
+                                    <p:set>
+                                      <p:cBhvr>
+                                        <p:cTn id="20" dur="1" fill="hold">
+                                          <p:stCondLst>
+                                            <p:cond delay="0"/>
+                                          </p:stCondLst>
+                                        </p:cTn>
+                                        <p:tgtEl>
+                                          <p:spTgt spid="16"/>
+                                        </p:tgtEl>
+                                        <p:attrNameLst>
+                                          <p:attrName>style.visibility</p:attrName>
+                                        </p:attrNameLst>
+                                      </p:cBhvr>
+                                      <p:to>
+                                        <p:strVal val="visible"/>
+                                      </p:to>
+                                    </p:set>
+                                    <p:animEffect transition="in" filter="barn(outVertical)">
+                                      <p:cBhvr>
+                                        <p:cTn id="21" dur="500"/>
+                                        <p:tgtEl>
+                                          <p:spTgt spid="16"/>
+                                        </p:tgtEl>
+                                      </p:cBhvr>
+                                    </p:animEffect>
+                                  </p:childTnLst>
+                                </p:cTn>
+                              </p:par>
+                              <p:par>
+                                <p:cTn id="22" presetID="16" presetClass="entr" presetSubtype="37" fill="hold" nodeType="withEffect">
+                                  <p:stCondLst>
+                                    <p:cond delay="0"/>
+                                  </p:stCondLst>
+                                  <p:childTnLst>
+                                    <p:set>
+                                      <p:cBhvr>
+                                        <p:cTn id="23" dur="1" fill="hold">
+                                          <p:stCondLst>
+                                            <p:cond delay="0"/>
+                                          </p:stCondLst>
+                                        </p:cTn>
+                                        <p:tgtEl>
+                                          <p:spTgt spid="17"/>
+                                        </p:tgtEl>
+                                        <p:attrNameLst>
+                                          <p:attrName>style.visibility</p:attrName>
+                                        </p:attrNameLst>
+                                      </p:cBhvr>
+                                      <p:to>
+                                        <p:strVal val="visible"/>
+                                      </p:to>
+                                    </p:set>
+                                    <p:animEffect transition="in" filter="barn(outVertical)">
+                                      <p:cBhvr>
+                                        <p:cTn id="24" dur="500"/>
+                                        <p:tgtEl>
+                                          <p:spTgt spid="17"/>
+                                        </p:tgtEl>
+                                      </p:cBhvr>
+                                    </p:animEffect>
+                                  </p:childTnLst>
+                                </p:cTn>
+                              </p:par>
+                              <p:par>
+                                <p:cTn id="25" presetID="16" presetClass="entr" presetSubtype="37" fill="hold" nodeType="withEffect">
+                                  <p:stCondLst>
+                                    <p:cond delay="0"/>
+                                  </p:stCondLst>
+                                  <p:childTnLst>
+                                    <p:set>
+                                      <p:cBhvr>
+                                        <p:cTn id="26" dur="1" fill="hold">
+                                          <p:stCondLst>
+                                            <p:cond delay="0"/>
+                                          </p:stCondLst>
+                                        </p:cTn>
+                                        <p:tgtEl>
+                                          <p:spTgt spid="18"/>
+                                        </p:tgtEl>
+                                        <p:attrNameLst>
+                                          <p:attrName>style.visibility</p:attrName>
+                                        </p:attrNameLst>
+                                      </p:cBhvr>
+                                      <p:to>
+                                        <p:strVal val="visible"/>
+                                      </p:to>
+                                    </p:set>
+                                    <p:animEffect transition="in" filter="barn(outVertical)">
+                                      <p:cBhvr>
+                                        <p:cTn id="27" dur="500"/>
+                                        <p:tgtEl>
+                                          <p:spTgt spid="18"/>
+                                        </p:tgtEl>
+                                      </p:cBhvr>
+                                    </p:animEffect>
+                                  </p:childTnLst>
+                                </p:cTn>
+                              </p:par>
+                              <p:par>
+                                <p:cTn id="28" presetID="16" presetClass="entr" presetSubtype="37" fill="hold" nodeType="withEffect">
+                                  <p:stCondLst>
+                                    <p:cond delay="0"/>
+                                  </p:stCondLst>
+                                  <p:childTnLst>
+                                    <p:set>
+                                      <p:cBhvr>
+                                        <p:cTn id="29" dur="1" fill="hold">
+                                          <p:stCondLst>
+                                            <p:cond delay="0"/>
+                                          </p:stCondLst>
+                                        </p:cTn>
+                                        <p:tgtEl>
+                                          <p:spTgt spid="19"/>
+                                        </p:tgtEl>
+                                        <p:attrNameLst>
+                                          <p:attrName>style.visibility</p:attrName>
+                                        </p:attrNameLst>
+                                      </p:cBhvr>
+                                      <p:to>
+                                        <p:strVal val="visible"/>
+                                      </p:to>
+                                    </p:set>
+                                    <p:animEffect transition="in" filter="barn(outVertical)">
+                                      <p:cBhvr>
+                                        <p:cTn id="30" dur="500"/>
+                                        <p:tgtEl>
+                                          <p:spTgt spid="19"/>
+                                        </p:tgtEl>
+                                      </p:cBhvr>
+                                    </p:animEffect>
+                                  </p:childTnLst>
+                                </p:cTn>
+                              </p:par>
+                              <p:par>
+                                <p:cTn id="31" presetID="16" presetClass="entr" presetSubtype="37" fill="hold" nodeType="withEffect">
+                                  <p:stCondLst>
+                                    <p:cond delay="0"/>
+                                  </p:stCondLst>
+                                  <p:childTnLst>
+                                    <p:set>
+                                      <p:cBhvr>
+                                        <p:cTn id="32" dur="1" fill="hold">
+                                          <p:stCondLst>
+                                            <p:cond delay="0"/>
+                                          </p:stCondLst>
+                                        </p:cTn>
+                                        <p:tgtEl>
+                                          <p:spTgt spid="20"/>
+                                        </p:tgtEl>
+                                        <p:attrNameLst>
+                                          <p:attrName>style.visibility</p:attrName>
+                                        </p:attrNameLst>
+                                      </p:cBhvr>
+                                      <p:to>
+                                        <p:strVal val="visible"/>
+                                      </p:to>
+                                    </p:set>
+                                    <p:animEffect transition="in" filter="barn(outVertical)">
+                                      <p:cBhvr>
+                                        <p:cTn id="33" dur="500"/>
+                                        <p:tgtEl>
+                                          <p:spTgt spid="20"/>
+                                        </p:tgtEl>
+                                      </p:cBhvr>
+                                    </p:animEffect>
+                                  </p:childTnLst>
+                                </p:cTn>
+                              </p:par>
+                            </p:childTnLst>
+                          </p:cTn>
+                        </p:par>
+                      </p:childTnLst>
+                    </p:cTn>
+                  </p:par>
+                </p:childTnLst>
+              </p:cTn>
+              <p:prevCondLst>
+                <p:cond evt="onPrev" delay="0">
+                  <p:tgtEl>
+                    <p:sldTgt/>
+                  </p:tgtEl>
+                </p:cond>
+              </p:prevCondLst>
+              <p:nextCondLst>
+                <p:cond evt="onNext" delay="0">
+                  <p:tgtEl>
+                    <p:sldTgt/>
+                  </p:tgtEl>
+                </p:cond>
+              </p:nextCondLst>
+            </p:seq>
+          </p:childTnLst>
+        </p:cTn>
+      </p:par>
+    </p:tnLst>
+  </p:timing>
+</p:sld>
+</file>
+
+<file path=ppt/slides/slide3.xml><?xml version="1.0" encoding="utf-8"?>
 <p:sld xmlns:a="http://schemas.openxmlformats.org/drawingml/2006/main" xmlns:r="http://schemas.openxmlformats.org/officeDocument/2006/relationships" xmlns:p="http://schemas.openxmlformats.org/presentationml/2006/main" showMasterSp="0">
   <p:cSld>
     <p:spTree>
@@ -9843,7 +11283,7 @@
 </p:sld>
 </file>
 
-<file path=ppt/slides/slide3.xml><?xml version="1.0" encoding="utf-8"?>
+<file path=ppt/slides/slide4.xml><?xml version="1.0" encoding="utf-8"?>
 <p:sld xmlns:a="http://schemas.openxmlformats.org/drawingml/2006/main" xmlns:r="http://schemas.openxmlformats.org/officeDocument/2006/relationships" xmlns:p="http://schemas.openxmlformats.org/presentationml/2006/main" showMasterSp="0">
   <p:cSld>
     <p:spTree>
@@ -11018,7 +12458,7 @@
 </p:sld>
 </file>
 
-<file path=ppt/slides/slide4.xml><?xml version="1.0" encoding="utf-8"?>
+<file path=ppt/slides/slide5.xml><?xml version="1.0" encoding="utf-8"?>
 <p:sld xmlns:a="http://schemas.openxmlformats.org/drawingml/2006/main" xmlns:r="http://schemas.openxmlformats.org/officeDocument/2006/relationships" xmlns:p="http://schemas.openxmlformats.org/presentationml/2006/main" showMasterSp="0">
   <p:cSld>
     <p:spTree>
@@ -11917,7 +13357,7 @@
 </p:sld>
 </file>
 
-<file path=ppt/slides/slide5.xml><?xml version="1.0" encoding="utf-8"?>
+<file path=ppt/slides/slide6.xml><?xml version="1.0" encoding="utf-8"?>
 <p:sld xmlns:a="http://schemas.openxmlformats.org/drawingml/2006/main" xmlns:r="http://schemas.openxmlformats.org/officeDocument/2006/relationships" xmlns:p="http://schemas.openxmlformats.org/presentationml/2006/main" showMasterSp="0">
   <p:cSld>
     <p:spTree>
@@ -12500,7 +13940,7 @@
 </p:sld>
 </file>
 
-<file path=ppt/slides/slide6.xml><?xml version="1.0" encoding="utf-8"?>
+<file path=ppt/slides/slide7.xml><?xml version="1.0" encoding="utf-8"?>
 <p:sld xmlns:a="http://schemas.openxmlformats.org/drawingml/2006/main" xmlns:r="http://schemas.openxmlformats.org/officeDocument/2006/relationships" xmlns:p="http://schemas.openxmlformats.org/presentationml/2006/main" showMasterSp="0">
   <p:cSld>
     <p:spTree>
@@ -12910,7 +14350,7 @@
 </p:sld>
 </file>
 
-<file path=ppt/slides/slide7.xml><?xml version="1.0" encoding="utf-8"?>
+<file path=ppt/slides/slide8.xml><?xml version="1.0" encoding="utf-8"?>
 <p:sld xmlns:a="http://schemas.openxmlformats.org/drawingml/2006/main" xmlns:r="http://schemas.openxmlformats.org/officeDocument/2006/relationships" xmlns:p="http://schemas.openxmlformats.org/presentationml/2006/main" showMasterSp="0">
   <p:cSld>
     <p:spTree>
@@ -13470,7 +14910,7 @@
 </p:sld>
 </file>
 
-<file path=ppt/slides/slide8.xml><?xml version="1.0" encoding="utf-8"?>
+<file path=ppt/slides/slide9.xml><?xml version="1.0" encoding="utf-8"?>
 <p:sld xmlns:a="http://schemas.openxmlformats.org/drawingml/2006/main" xmlns:r="http://schemas.openxmlformats.org/officeDocument/2006/relationships" xmlns:p="http://schemas.openxmlformats.org/presentationml/2006/main" showMasterSp="0">
   <p:cSld>
     <p:spTree>
@@ -13601,498 +15041,6 @@
   <p:clrMapOvr>
     <a:masterClrMapping/>
   </p:clrMapOvr>
-</p:sld>
-</file>
-
-<file path=ppt/slides/slide9.xml><?xml version="1.0" encoding="utf-8"?>
-<p:sld xmlns:a="http://schemas.openxmlformats.org/drawingml/2006/main" xmlns:r="http://schemas.openxmlformats.org/officeDocument/2006/relationships" xmlns:p="http://schemas.openxmlformats.org/presentationml/2006/main" showMasterSp="0">
-  <p:cSld>
-    <p:spTree>
-      <p:nvGrpSpPr>
-        <p:cNvPr id="1" name=""/>
-        <p:cNvGrpSpPr/>
-        <p:nvPr/>
-      </p:nvGrpSpPr>
-      <p:grpSpPr>
-        <a:xfrm>
-          <a:off x="0" y="0"/>
-          <a:ext cx="0" cy="0"/>
-          <a:chOff x="0" y="0"/>
-          <a:chExt cx="0" cy="0"/>
-        </a:xfrm>
-      </p:grpSpPr>
-      <p:sp>
-        <p:nvSpPr>
-          <p:cNvPr id="2" name="Title 1">
-            <a:extLst>
-              <a:ext uri="{FF2B5EF4-FFF2-40B4-BE49-F238E27FC236}">
-                <a16:creationId xmlns:a16="http://schemas.microsoft.com/office/drawing/2014/main" id="{499BC091-DECF-4C03-A8FA-0850165DA5A6}"/>
-              </a:ext>
-            </a:extLst>
-          </p:cNvPr>
-          <p:cNvSpPr>
-            <a:spLocks noGrp="1"/>
-          </p:cNvSpPr>
-          <p:nvPr>
-            <p:ph type="title"/>
-          </p:nvPr>
-        </p:nvSpPr>
-        <p:spPr>
-          <a:xfrm>
-            <a:off x="426720" y="0"/>
-            <a:ext cx="10058400" cy="927877"/>
-          </a:xfrm>
-        </p:spPr>
-        <p:txBody>
-          <a:bodyPr/>
-          <a:lstStyle/>
-          <a:p>
-            <a:r>
-              <a:rPr lang="sr-Latn-RS" dirty="0">
-                <a:latin typeface="Consolas" panose="020B0609020204030204" pitchFamily="49" charset="0"/>
-              </a:rPr>
-              <a:t>I šta sada sa time?</a:t>
-            </a:r>
-            <a:endParaRPr lang="en-US" dirty="0">
-              <a:latin typeface="Consolas" panose="020B0609020204030204" pitchFamily="49" charset="0"/>
-            </a:endParaRPr>
-          </a:p>
-        </p:txBody>
-      </p:sp>
-      <p:sp>
-        <p:nvSpPr>
-          <p:cNvPr id="3" name="Content Placeholder 2">
-            <a:extLst>
-              <a:ext uri="{FF2B5EF4-FFF2-40B4-BE49-F238E27FC236}">
-                <a16:creationId xmlns:a16="http://schemas.microsoft.com/office/drawing/2014/main" id="{703F8D58-9E47-443B-8A26-DF4792630628}"/>
-              </a:ext>
-            </a:extLst>
-          </p:cNvPr>
-          <p:cNvSpPr>
-            <a:spLocks noGrp="1"/>
-          </p:cNvSpPr>
-          <p:nvPr>
-            <p:ph idx="1"/>
-          </p:nvPr>
-        </p:nvSpPr>
-        <p:spPr>
-          <a:xfrm>
-            <a:off x="426720" y="927877"/>
-            <a:ext cx="11338560" cy="5614415"/>
-          </a:xfrm>
-          <a:noFill/>
-        </p:spPr>
-        <p:txBody>
-          <a:bodyPr>
-            <a:normAutofit/>
-          </a:bodyPr>
-          <a:lstStyle/>
-          <a:p>
-            <a:pPr marL="376238" indent="-285750">
-              <a:buClr>
-                <a:schemeClr val="tx1"/>
-              </a:buClr>
-              <a:buFont typeface="Courier New" panose="02070309020205020404" pitchFamily="49" charset="0"/>
-              <a:buChar char="o"/>
-            </a:pPr>
-            <a:r>
-              <a:rPr lang="sr-Latn-RS" sz="2000" dirty="0">
-                <a:latin typeface="Consolas" panose="020B0609020204030204" pitchFamily="49" charset="0"/>
-              </a:rPr>
-              <a:t>Naravno da ne pravimo kontejnere tako što prčkamo po procesima, sami, jer bi nam za to trebala velika Linux ekspertiza, a neki khm khm (ne gledajte u mene) nemaju završen Linux kurs.</a:t>
-            </a:r>
-          </a:p>
-          <a:p>
-            <a:pPr marL="376238" indent="-285750">
-              <a:buClr>
-                <a:schemeClr val="tx1"/>
-              </a:buClr>
-              <a:buFont typeface="Courier New" panose="02070309020205020404" pitchFamily="49" charset="0"/>
-              <a:buChar char="o"/>
-            </a:pPr>
-            <a:r>
-              <a:rPr lang="sr-Latn-RS" sz="2000" b="1" dirty="0">
-                <a:latin typeface="Consolas" panose="020B0609020204030204" pitchFamily="49" charset="0"/>
-              </a:rPr>
-              <a:t>Container Engine</a:t>
-            </a:r>
-            <a:r>
-              <a:rPr lang="sr-Latn-RS" sz="2000" dirty="0">
-                <a:latin typeface="Consolas" panose="020B0609020204030204" pitchFamily="49" charset="0"/>
-              </a:rPr>
-              <a:t> – Specijalizovani software-i koji apstrahuju proces virtuelizacije na nivou OS-a, tako što nam pružaju znatno jednostavniji API, po principu „Hej ti, endžine, napravi mi kontejner“, a celokupni rad </a:t>
-            </a:r>
-            <a:r>
-              <a:rPr lang="sr-Latn-RS" sz="2000" i="1" dirty="0">
-                <a:latin typeface="Consolas" panose="020B0609020204030204" pitchFamily="49" charset="0"/>
-              </a:rPr>
-              <a:t>ispod haube</a:t>
-            </a:r>
-            <a:r>
-              <a:rPr lang="sr-Latn-RS" sz="2000" dirty="0">
-                <a:latin typeface="Consolas" panose="020B0609020204030204" pitchFamily="49" charset="0"/>
-              </a:rPr>
-              <a:t> je enkapsuliran i sakriven od nas.</a:t>
-            </a:r>
-          </a:p>
-          <a:p>
-            <a:pPr marL="376238" indent="-285750">
-              <a:buClr>
-                <a:schemeClr val="tx1"/>
-              </a:buClr>
-              <a:buFont typeface="Courier New" panose="02070309020205020404" pitchFamily="49" charset="0"/>
-              <a:buChar char="o"/>
-            </a:pPr>
-            <a:r>
-              <a:rPr lang="sr-Latn-RS" sz="2000" dirty="0">
-                <a:latin typeface="Consolas" panose="020B0609020204030204" pitchFamily="49" charset="0"/>
-              </a:rPr>
-              <a:t>Postoje razni Container Engine-i među kojima su najpopularniji: Docker, Rkt (čita se Rocket), CRI-O, ...</a:t>
-            </a:r>
-          </a:p>
-          <a:p>
-            <a:pPr marL="376238" indent="-285750">
-              <a:buClr>
-                <a:schemeClr val="tx1"/>
-              </a:buClr>
-              <a:buFont typeface="Courier New" panose="02070309020205020404" pitchFamily="49" charset="0"/>
-              <a:buChar char="o"/>
-            </a:pPr>
-            <a:endParaRPr lang="sr-Latn-RS" sz="2000" dirty="0">
-              <a:latin typeface="Consolas" panose="020B0609020204030204" pitchFamily="49" charset="0"/>
-            </a:endParaRPr>
-          </a:p>
-          <a:p>
-            <a:pPr marL="376238" indent="-285750">
-              <a:buClr>
-                <a:schemeClr val="tx1"/>
-              </a:buClr>
-              <a:buFont typeface="Courier New" panose="02070309020205020404" pitchFamily="49" charset="0"/>
-              <a:buChar char="o"/>
-            </a:pPr>
-            <a:r>
-              <a:rPr lang="sr-Latn-RS" sz="2000" dirty="0">
-                <a:latin typeface="Consolas" panose="020B0609020204030204" pitchFamily="49" charset="0"/>
-              </a:rPr>
-              <a:t>Postoji određena nomenklatura koju prate gotovo svi Engine-i, i bitno je da razumemo korake koji postoje u radu sa kontejnerima:</a:t>
-            </a:r>
-          </a:p>
-        </p:txBody>
-      </p:sp>
-      <p:pic>
-        <p:nvPicPr>
-          <p:cNvPr id="4" name="Picture 3">
-            <a:extLst>
-              <a:ext uri="{FF2B5EF4-FFF2-40B4-BE49-F238E27FC236}">
-                <a16:creationId xmlns:a16="http://schemas.microsoft.com/office/drawing/2014/main" id="{D81EE7F8-76BC-45CA-B12E-B58EBAD61117}"/>
-              </a:ext>
-            </a:extLst>
-          </p:cNvPr>
-          <p:cNvPicPr>
-            <a:picLocks noChangeAspect="1"/>
-          </p:cNvPicPr>
-          <p:nvPr/>
-        </p:nvPicPr>
-        <p:blipFill>
-          <a:blip r:embed="rId3"/>
-          <a:stretch>
-            <a:fillRect/>
-          </a:stretch>
-        </p:blipFill>
-        <p:spPr>
-          <a:xfrm>
-            <a:off x="9392194" y="1"/>
-            <a:ext cx="2799806" cy="676508"/>
-          </a:xfrm>
-          <a:prstGeom prst="rect">
-            <a:avLst/>
-          </a:prstGeom>
-        </p:spPr>
-      </p:pic>
-    </p:spTree>
-    <p:extLst>
-      <p:ext uri="{BB962C8B-B14F-4D97-AF65-F5344CB8AC3E}">
-        <p14:creationId xmlns:p14="http://schemas.microsoft.com/office/powerpoint/2010/main" val="1792617817"/>
-      </p:ext>
-    </p:extLst>
-  </p:cSld>
-  <p:clrMapOvr>
-    <a:masterClrMapping/>
-  </p:clrMapOvr>
-  <p:timing>
-    <p:tnLst>
-      <p:par>
-        <p:cTn id="1" dur="indefinite" restart="never" nodeType="tmRoot">
-          <p:childTnLst>
-            <p:seq concurrent="1" nextAc="seek">
-              <p:cTn id="2" dur="indefinite" nodeType="mainSeq">
-                <p:childTnLst>
-                  <p:par>
-                    <p:cTn id="3" fill="hold">
-                      <p:stCondLst>
-                        <p:cond delay="indefinite"/>
-                      </p:stCondLst>
-                      <p:childTnLst>
-                        <p:par>
-                          <p:cTn id="4" fill="hold">
-                            <p:stCondLst>
-                              <p:cond delay="0"/>
-                            </p:stCondLst>
-                            <p:childTnLst>
-                              <p:par>
-                                <p:cTn id="5" presetID="10" presetClass="entr" presetSubtype="0" fill="hold" nodeType="clickEffect">
-                                  <p:stCondLst>
-                                    <p:cond delay="0"/>
-                                  </p:stCondLst>
-                                  <p:childTnLst>
-                                    <p:set>
-                                      <p:cBhvr>
-                                        <p:cTn id="6" dur="1" fill="hold">
-                                          <p:stCondLst>
-                                            <p:cond delay="0"/>
-                                          </p:stCondLst>
-                                        </p:cTn>
-                                        <p:tgtEl>
-                                          <p:spTgt spid="3">
-                                            <p:txEl>
-                                              <p:pRg st="0" end="0"/>
-                                            </p:txEl>
-                                          </p:spTgt>
-                                        </p:tgtEl>
-                                        <p:attrNameLst>
-                                          <p:attrName>style.visibility</p:attrName>
-                                        </p:attrNameLst>
-                                      </p:cBhvr>
-                                      <p:to>
-                                        <p:strVal val="visible"/>
-                                      </p:to>
-                                    </p:set>
-                                    <p:animEffect transition="in" filter="fade">
-                                      <p:cBhvr>
-                                        <p:cTn id="7" dur="500"/>
-                                        <p:tgtEl>
-                                          <p:spTgt spid="3">
-                                            <p:txEl>
-                                              <p:pRg st="0" end="0"/>
-                                            </p:txEl>
-                                          </p:spTgt>
-                                        </p:tgtEl>
-                                      </p:cBhvr>
-                                    </p:animEffect>
-                                  </p:childTnLst>
-                                </p:cTn>
-                              </p:par>
-                            </p:childTnLst>
-                          </p:cTn>
-                        </p:par>
-                      </p:childTnLst>
-                    </p:cTn>
-                  </p:par>
-                  <p:par>
-                    <p:cTn id="8" fill="hold">
-                      <p:stCondLst>
-                        <p:cond delay="indefinite"/>
-                      </p:stCondLst>
-                      <p:childTnLst>
-                        <p:par>
-                          <p:cTn id="9" fill="hold">
-                            <p:stCondLst>
-                              <p:cond delay="0"/>
-                            </p:stCondLst>
-                            <p:childTnLst>
-                              <p:par>
-                                <p:cTn id="10" presetID="10" presetClass="entr" presetSubtype="0" fill="hold" nodeType="clickEffect">
-                                  <p:stCondLst>
-                                    <p:cond delay="0"/>
-                                  </p:stCondLst>
-                                  <p:childTnLst>
-                                    <p:set>
-                                      <p:cBhvr>
-                                        <p:cTn id="11" dur="1" fill="hold">
-                                          <p:stCondLst>
-                                            <p:cond delay="0"/>
-                                          </p:stCondLst>
-                                        </p:cTn>
-                                        <p:tgtEl>
-                                          <p:spTgt spid="3">
-                                            <p:txEl>
-                                              <p:pRg st="1" end="1"/>
-                                            </p:txEl>
-                                          </p:spTgt>
-                                        </p:tgtEl>
-                                        <p:attrNameLst>
-                                          <p:attrName>style.visibility</p:attrName>
-                                        </p:attrNameLst>
-                                      </p:cBhvr>
-                                      <p:to>
-                                        <p:strVal val="visible"/>
-                                      </p:to>
-                                    </p:set>
-                                    <p:animEffect transition="in" filter="fade">
-                                      <p:cBhvr>
-                                        <p:cTn id="12" dur="500"/>
-                                        <p:tgtEl>
-                                          <p:spTgt spid="3">
-                                            <p:txEl>
-                                              <p:pRg st="1" end="1"/>
-                                            </p:txEl>
-                                          </p:spTgt>
-                                        </p:tgtEl>
-                                      </p:cBhvr>
-                                    </p:animEffect>
-                                  </p:childTnLst>
-                                </p:cTn>
-                              </p:par>
-                            </p:childTnLst>
-                          </p:cTn>
-                        </p:par>
-                      </p:childTnLst>
-                    </p:cTn>
-                  </p:par>
-                  <p:par>
-                    <p:cTn id="13" fill="hold">
-                      <p:stCondLst>
-                        <p:cond delay="indefinite"/>
-                      </p:stCondLst>
-                      <p:childTnLst>
-                        <p:par>
-                          <p:cTn id="14" fill="hold">
-                            <p:stCondLst>
-                              <p:cond delay="0"/>
-                            </p:stCondLst>
-                            <p:childTnLst>
-                              <p:par>
-                                <p:cTn id="15" presetID="10" presetClass="entr" presetSubtype="0" fill="hold" nodeType="clickEffect">
-                                  <p:stCondLst>
-                                    <p:cond delay="0"/>
-                                  </p:stCondLst>
-                                  <p:childTnLst>
-                                    <p:set>
-                                      <p:cBhvr>
-                                        <p:cTn id="16" dur="1" fill="hold">
-                                          <p:stCondLst>
-                                            <p:cond delay="0"/>
-                                          </p:stCondLst>
-                                        </p:cTn>
-                                        <p:tgtEl>
-                                          <p:spTgt spid="3">
-                                            <p:txEl>
-                                              <p:pRg st="2" end="2"/>
-                                            </p:txEl>
-                                          </p:spTgt>
-                                        </p:tgtEl>
-                                        <p:attrNameLst>
-                                          <p:attrName>style.visibility</p:attrName>
-                                        </p:attrNameLst>
-                                      </p:cBhvr>
-                                      <p:to>
-                                        <p:strVal val="visible"/>
-                                      </p:to>
-                                    </p:set>
-                                    <p:animEffect transition="in" filter="fade">
-                                      <p:cBhvr>
-                                        <p:cTn id="17" dur="500"/>
-                                        <p:tgtEl>
-                                          <p:spTgt spid="3">
-                                            <p:txEl>
-                                              <p:pRg st="2" end="2"/>
-                                            </p:txEl>
-                                          </p:spTgt>
-                                        </p:tgtEl>
-                                      </p:cBhvr>
-                                    </p:animEffect>
-                                  </p:childTnLst>
-                                </p:cTn>
-                              </p:par>
-                            </p:childTnLst>
-                          </p:cTn>
-                        </p:par>
-                      </p:childTnLst>
-                    </p:cTn>
-                  </p:par>
-                  <p:par>
-                    <p:cTn id="18" fill="hold">
-                      <p:stCondLst>
-                        <p:cond delay="indefinite"/>
-                      </p:stCondLst>
-                      <p:childTnLst>
-                        <p:par>
-                          <p:cTn id="19" fill="hold">
-                            <p:stCondLst>
-                              <p:cond delay="0"/>
-                            </p:stCondLst>
-                            <p:childTnLst>
-                              <p:par>
-                                <p:cTn id="20" presetID="10" presetClass="entr" presetSubtype="0" fill="hold" nodeType="clickEffect">
-                                  <p:stCondLst>
-                                    <p:cond delay="0"/>
-                                  </p:stCondLst>
-                                  <p:childTnLst>
-                                    <p:set>
-                                      <p:cBhvr>
-                                        <p:cTn id="21" dur="1" fill="hold">
-                                          <p:stCondLst>
-                                            <p:cond delay="0"/>
-                                          </p:stCondLst>
-                                        </p:cTn>
-                                        <p:tgtEl>
-                                          <p:spTgt spid="3">
-                                            <p:txEl>
-                                              <p:pRg st="4" end="4"/>
-                                            </p:txEl>
-                                          </p:spTgt>
-                                        </p:tgtEl>
-                                        <p:attrNameLst>
-                                          <p:attrName>style.visibility</p:attrName>
-                                        </p:attrNameLst>
-                                      </p:cBhvr>
-                                      <p:to>
-                                        <p:strVal val="visible"/>
-                                      </p:to>
-                                    </p:set>
-                                    <p:animEffect transition="in" filter="fade">
-                                      <p:cBhvr>
-                                        <p:cTn id="22" dur="500"/>
-                                        <p:tgtEl>
-                                          <p:spTgt spid="3">
-                                            <p:txEl>
-                                              <p:pRg st="4" end="4"/>
-                                            </p:txEl>
-                                          </p:spTgt>
-                                        </p:tgtEl>
-                                      </p:cBhvr>
-                                    </p:animEffect>
-                                  </p:childTnLst>
-                                </p:cTn>
-                              </p:par>
-                            </p:childTnLst>
-                          </p:cTn>
-                        </p:par>
-                      </p:childTnLst>
-                    </p:cTn>
-                  </p:par>
-                </p:childTnLst>
-              </p:cTn>
-              <p:prevCondLst>
-                <p:cond evt="onPrev" delay="0">
-                  <p:tgtEl>
-                    <p:sldTgt/>
-                  </p:tgtEl>
-                </p:cond>
-              </p:prevCondLst>
-              <p:nextCondLst>
-                <p:cond evt="onNext" delay="0">
-                  <p:tgtEl>
-                    <p:sldTgt/>
-                  </p:tgtEl>
-                </p:cond>
-              </p:nextCondLst>
-            </p:seq>
-          </p:childTnLst>
-        </p:cTn>
-      </p:par>
-    </p:tnLst>
-  </p:timing>
 </p:sld>
 </file>
 
